--- a/Population/population_creation_flowchart.pptx
+++ b/Population/population_creation_flowchart.pptx
@@ -272,7 +272,7 @@
           <a:p>
             <a:fld id="{4CD2BC5A-0FCF-4F3F-81E7-B94323F90615}" type="datetimeFigureOut">
               <a:rPr lang="en-US" smtClean="0"/>
-              <a:t>7/18/2018</a:t>
+              <a:t>8/12/2018</a:t>
             </a:fld>
             <a:endParaRPr lang="en-US"/>
           </a:p>
@@ -470,7 +470,7 @@
           <a:p>
             <a:fld id="{4CD2BC5A-0FCF-4F3F-81E7-B94323F90615}" type="datetimeFigureOut">
               <a:rPr lang="en-US" smtClean="0"/>
-              <a:t>7/18/2018</a:t>
+              <a:t>8/12/2018</a:t>
             </a:fld>
             <a:endParaRPr lang="en-US"/>
           </a:p>
@@ -678,7 +678,7 @@
           <a:p>
             <a:fld id="{4CD2BC5A-0FCF-4F3F-81E7-B94323F90615}" type="datetimeFigureOut">
               <a:rPr lang="en-US" smtClean="0"/>
-              <a:t>7/18/2018</a:t>
+              <a:t>8/12/2018</a:t>
             </a:fld>
             <a:endParaRPr lang="en-US"/>
           </a:p>
@@ -876,7 +876,7 @@
           <a:p>
             <a:fld id="{4CD2BC5A-0FCF-4F3F-81E7-B94323F90615}" type="datetimeFigureOut">
               <a:rPr lang="en-US" smtClean="0"/>
-              <a:t>7/18/2018</a:t>
+              <a:t>8/12/2018</a:t>
             </a:fld>
             <a:endParaRPr lang="en-US"/>
           </a:p>
@@ -1151,7 +1151,7 @@
           <a:p>
             <a:fld id="{4CD2BC5A-0FCF-4F3F-81E7-B94323F90615}" type="datetimeFigureOut">
               <a:rPr lang="en-US" smtClean="0"/>
-              <a:t>7/18/2018</a:t>
+              <a:t>8/12/2018</a:t>
             </a:fld>
             <a:endParaRPr lang="en-US"/>
           </a:p>
@@ -1416,7 +1416,7 @@
           <a:p>
             <a:fld id="{4CD2BC5A-0FCF-4F3F-81E7-B94323F90615}" type="datetimeFigureOut">
               <a:rPr lang="en-US" smtClean="0"/>
-              <a:t>7/18/2018</a:t>
+              <a:t>8/12/2018</a:t>
             </a:fld>
             <a:endParaRPr lang="en-US"/>
           </a:p>
@@ -1828,7 +1828,7 @@
           <a:p>
             <a:fld id="{4CD2BC5A-0FCF-4F3F-81E7-B94323F90615}" type="datetimeFigureOut">
               <a:rPr lang="en-US" smtClean="0"/>
-              <a:t>7/18/2018</a:t>
+              <a:t>8/12/2018</a:t>
             </a:fld>
             <a:endParaRPr lang="en-US"/>
           </a:p>
@@ -1969,7 +1969,7 @@
           <a:p>
             <a:fld id="{4CD2BC5A-0FCF-4F3F-81E7-B94323F90615}" type="datetimeFigureOut">
               <a:rPr lang="en-US" smtClean="0"/>
-              <a:t>7/18/2018</a:t>
+              <a:t>8/12/2018</a:t>
             </a:fld>
             <a:endParaRPr lang="en-US"/>
           </a:p>
@@ -2082,7 +2082,7 @@
           <a:p>
             <a:fld id="{4CD2BC5A-0FCF-4F3F-81E7-B94323F90615}" type="datetimeFigureOut">
               <a:rPr lang="en-US" smtClean="0"/>
-              <a:t>7/18/2018</a:t>
+              <a:t>8/12/2018</a:t>
             </a:fld>
             <a:endParaRPr lang="en-US"/>
           </a:p>
@@ -2393,7 +2393,7 @@
           <a:p>
             <a:fld id="{4CD2BC5A-0FCF-4F3F-81E7-B94323F90615}" type="datetimeFigureOut">
               <a:rPr lang="en-US" smtClean="0"/>
-              <a:t>7/18/2018</a:t>
+              <a:t>8/12/2018</a:t>
             </a:fld>
             <a:endParaRPr lang="en-US"/>
           </a:p>
@@ -2681,7 +2681,7 @@
           <a:p>
             <a:fld id="{4CD2BC5A-0FCF-4F3F-81E7-B94323F90615}" type="datetimeFigureOut">
               <a:rPr lang="en-US" smtClean="0"/>
-              <a:t>7/18/2018</a:t>
+              <a:t>8/12/2018</a:t>
             </a:fld>
             <a:endParaRPr lang="en-US"/>
           </a:p>
@@ -2922,7 +2922,7 @@
           <a:p>
             <a:fld id="{4CD2BC5A-0FCF-4F3F-81E7-B94323F90615}" type="datetimeFigureOut">
               <a:rPr lang="en-US" smtClean="0"/>
-              <a:t>7/18/2018</a:t>
+              <a:t>8/12/2018</a:t>
             </a:fld>
             <a:endParaRPr lang="en-US"/>
           </a:p>
@@ -3793,334 +3793,355 @@
           </p:txBody>
         </p:sp>
       </p:grpSp>
-      <p:sp>
-        <p:nvSpPr>
-          <p:cNvPr id="13" name="Rectangle 12">
+      <p:grpSp>
+        <p:nvGrpSpPr>
+          <p:cNvPr id="3" name="Group 2">
             <a:extLst>
               <a:ext uri="{FF2B5EF4-FFF2-40B4-BE49-F238E27FC236}">
-                <a16:creationId xmlns:a16="http://schemas.microsoft.com/office/drawing/2014/main" id="{7CDB822E-A182-460D-9FA0-4EA757541F8C}"/>
+                <a16:creationId xmlns:a16="http://schemas.microsoft.com/office/drawing/2014/main" id="{1F3557B9-6E78-4039-B1A5-C56CC22680C9}"/>
               </a:ext>
             </a:extLst>
           </p:cNvPr>
-          <p:cNvSpPr/>
+          <p:cNvGrpSpPr/>
           <p:nvPr/>
-        </p:nvSpPr>
-        <p:spPr>
+        </p:nvGrpSpPr>
+        <p:grpSpPr>
           <a:xfrm>
-            <a:off x="4209085" y="1388657"/>
-            <a:ext cx="1986059" cy="914400"/>
+            <a:off x="3751058" y="85546"/>
+            <a:ext cx="3185057" cy="6452413"/>
+            <a:chOff x="3751058" y="85546"/>
+            <a:chExt cx="3185057" cy="6452413"/>
           </a:xfrm>
-          <a:prstGeom prst="rect">
-            <a:avLst/>
-          </a:prstGeom>
-          <a:noFill/>
-          <a:ln>
-            <a:solidFill>
+        </p:grpSpPr>
+        <p:sp>
+          <p:nvSpPr>
+            <p:cNvPr id="13" name="Rectangle 12">
+              <a:extLst>
+                <a:ext uri="{FF2B5EF4-FFF2-40B4-BE49-F238E27FC236}">
+                  <a16:creationId xmlns:a16="http://schemas.microsoft.com/office/drawing/2014/main" id="{7CDB822E-A182-460D-9FA0-4EA757541F8C}"/>
+                </a:ext>
+              </a:extLst>
+            </p:cNvPr>
+            <p:cNvSpPr/>
+            <p:nvPr/>
+          </p:nvSpPr>
+          <p:spPr>
+            <a:xfrm>
+              <a:off x="4209085" y="1388657"/>
+              <a:ext cx="1986059" cy="914400"/>
+            </a:xfrm>
+            <a:prstGeom prst="rect">
+              <a:avLst/>
+            </a:prstGeom>
+            <a:noFill/>
+            <a:ln>
+              <a:solidFill>
+                <a:schemeClr val="tx1"/>
+              </a:solidFill>
+            </a:ln>
+          </p:spPr>
+          <p:style>
+            <a:lnRef idx="2">
+              <a:schemeClr val="accent1">
+                <a:shade val="50000"/>
+              </a:schemeClr>
+            </a:lnRef>
+            <a:fillRef idx="1">
+              <a:schemeClr val="accent1"/>
+            </a:fillRef>
+            <a:effectRef idx="0">
+              <a:schemeClr val="accent1"/>
+            </a:effectRef>
+            <a:fontRef idx="minor">
+              <a:schemeClr val="lt1"/>
+            </a:fontRef>
+          </p:style>
+          <p:txBody>
+            <a:bodyPr rtlCol="0" anchor="ctr"/>
+            <a:lstStyle/>
+            <a:p>
+              <a:pPr algn="ctr"/>
+              <a:r>
+                <a:rPr lang="en-US" sz="2400" b="1" dirty="0">
+                  <a:solidFill>
+                    <a:schemeClr val="tx1"/>
+                  </a:solidFill>
+                </a:rPr>
+                <a:t>Assign Business</a:t>
+              </a:r>
+            </a:p>
+          </p:txBody>
+        </p:sp>
+        <p:sp>
+          <p:nvSpPr>
+            <p:cNvPr id="14" name="Rectangle 13">
+              <a:extLst>
+                <a:ext uri="{FF2B5EF4-FFF2-40B4-BE49-F238E27FC236}">
+                  <a16:creationId xmlns:a16="http://schemas.microsoft.com/office/drawing/2014/main" id="{83B7902C-3F64-4F5D-912C-6B16486E373E}"/>
+                </a:ext>
+              </a:extLst>
+            </p:cNvPr>
+            <p:cNvSpPr/>
+            <p:nvPr/>
+          </p:nvSpPr>
+          <p:spPr>
+            <a:xfrm>
+              <a:off x="4209085" y="2783637"/>
+              <a:ext cx="1986059" cy="914400"/>
+            </a:xfrm>
+            <a:prstGeom prst="rect">
+              <a:avLst/>
+            </a:prstGeom>
+            <a:noFill/>
+            <a:ln>
+              <a:solidFill>
+                <a:schemeClr val="tx1"/>
+              </a:solidFill>
+            </a:ln>
+          </p:spPr>
+          <p:style>
+            <a:lnRef idx="2">
+              <a:schemeClr val="accent1">
+                <a:shade val="50000"/>
+              </a:schemeClr>
+            </a:lnRef>
+            <a:fillRef idx="1">
+              <a:schemeClr val="accent1"/>
+            </a:fillRef>
+            <a:effectRef idx="0">
+              <a:schemeClr val="accent1"/>
+            </a:effectRef>
+            <a:fontRef idx="minor">
+              <a:schemeClr val="lt1"/>
+            </a:fontRef>
+          </p:style>
+          <p:txBody>
+            <a:bodyPr rtlCol="0" anchor="ctr"/>
+            <a:lstStyle/>
+            <a:p>
+              <a:pPr algn="ctr"/>
+              <a:r>
+                <a:rPr lang="en-US" sz="2400" b="1" dirty="0">
+                  <a:solidFill>
+                    <a:schemeClr val="tx1"/>
+                  </a:solidFill>
+                </a:rPr>
+                <a:t>Assign Infrastructure</a:t>
+              </a:r>
+            </a:p>
+          </p:txBody>
+        </p:sp>
+        <p:sp>
+          <p:nvSpPr>
+            <p:cNvPr id="15" name="Rectangle 14">
+              <a:extLst>
+                <a:ext uri="{FF2B5EF4-FFF2-40B4-BE49-F238E27FC236}">
+                  <a16:creationId xmlns:a16="http://schemas.microsoft.com/office/drawing/2014/main" id="{8252BE24-3E66-492A-AA83-183132F79F22}"/>
+                </a:ext>
+              </a:extLst>
+            </p:cNvPr>
+            <p:cNvSpPr/>
+            <p:nvPr/>
+          </p:nvSpPr>
+          <p:spPr>
+            <a:xfrm>
+              <a:off x="4209085" y="4306458"/>
+              <a:ext cx="1986059" cy="914400"/>
+            </a:xfrm>
+            <a:prstGeom prst="rect">
+              <a:avLst/>
+            </a:prstGeom>
+            <a:noFill/>
+            <a:ln>
+              <a:solidFill>
+                <a:schemeClr val="tx1"/>
+              </a:solidFill>
+            </a:ln>
+          </p:spPr>
+          <p:style>
+            <a:lnRef idx="2">
+              <a:schemeClr val="accent1">
+                <a:shade val="50000"/>
+              </a:schemeClr>
+            </a:lnRef>
+            <a:fillRef idx="1">
+              <a:schemeClr val="accent1"/>
+            </a:fillRef>
+            <a:effectRef idx="0">
+              <a:schemeClr val="accent1"/>
+            </a:effectRef>
+            <a:fontRef idx="minor">
+              <a:schemeClr val="lt1"/>
+            </a:fontRef>
+          </p:style>
+          <p:txBody>
+            <a:bodyPr rtlCol="0" anchor="ctr"/>
+            <a:lstStyle/>
+            <a:p>
+              <a:pPr algn="ctr"/>
+              <a:r>
+                <a:rPr lang="en-US" sz="2400" b="1" dirty="0">
+                  <a:solidFill>
+                    <a:schemeClr val="tx1"/>
+                  </a:solidFill>
+                </a:rPr>
+                <a:t>Assign Tribe</a:t>
+              </a:r>
+            </a:p>
+          </p:txBody>
+        </p:sp>
+        <p:sp>
+          <p:nvSpPr>
+            <p:cNvPr id="16" name="Rectangle 15">
+              <a:extLst>
+                <a:ext uri="{FF2B5EF4-FFF2-40B4-BE49-F238E27FC236}">
+                  <a16:creationId xmlns:a16="http://schemas.microsoft.com/office/drawing/2014/main" id="{E9255F65-EDDE-46C6-B9F9-9DD572DA9AA1}"/>
+                </a:ext>
+              </a:extLst>
+            </p:cNvPr>
+            <p:cNvSpPr/>
+            <p:nvPr/>
+          </p:nvSpPr>
+          <p:spPr>
+            <a:xfrm>
+              <a:off x="3751058" y="85546"/>
+              <a:ext cx="3185057" cy="6452413"/>
+            </a:xfrm>
+            <a:prstGeom prst="rect">
+              <a:avLst/>
+            </a:prstGeom>
+            <a:noFill/>
+            <a:ln>
+              <a:solidFill>
+                <a:schemeClr val="tx1"/>
+              </a:solidFill>
+            </a:ln>
+          </p:spPr>
+          <p:style>
+            <a:lnRef idx="2">
+              <a:schemeClr val="accent1">
+                <a:shade val="50000"/>
+              </a:schemeClr>
+            </a:lnRef>
+            <a:fillRef idx="1">
+              <a:schemeClr val="accent1"/>
+            </a:fillRef>
+            <a:effectRef idx="0">
+              <a:schemeClr val="accent1"/>
+            </a:effectRef>
+            <a:fontRef idx="minor">
+              <a:schemeClr val="lt1"/>
+            </a:fontRef>
+          </p:style>
+          <p:txBody>
+            <a:bodyPr rtlCol="0" anchor="t" anchorCtr="0"/>
+            <a:lstStyle/>
+            <a:p>
+              <a:pPr algn="ctr"/>
+              <a:r>
+                <a:rPr lang="en-US" sz="2400" b="1" dirty="0">
+                  <a:solidFill>
+                    <a:schemeClr val="tx1"/>
+                  </a:solidFill>
+                </a:rPr>
+                <a:t>For Each Family in Population</a:t>
+              </a:r>
+            </a:p>
+          </p:txBody>
+        </p:sp>
+        <p:cxnSp>
+          <p:nvCxnSpPr>
+            <p:cNvPr id="17" name="Straight Arrow Connector 16">
+              <a:extLst>
+                <a:ext uri="{FF2B5EF4-FFF2-40B4-BE49-F238E27FC236}">
+                  <a16:creationId xmlns:a16="http://schemas.microsoft.com/office/drawing/2014/main" id="{EDF1BED6-38F4-481C-87EA-EEF4029CC046}"/>
+                </a:ext>
+              </a:extLst>
+            </p:cNvPr>
+            <p:cNvCxnSpPr>
+              <a:cxnSpLocks/>
+              <a:stCxn id="13" idx="2"/>
+              <a:endCxn id="14" idx="0"/>
+            </p:cNvCxnSpPr>
+            <p:nvPr/>
+          </p:nvCxnSpPr>
+          <p:spPr>
+            <a:xfrm>
+              <a:off x="5202115" y="2303057"/>
+              <a:ext cx="0" cy="480580"/>
+            </a:xfrm>
+            <a:prstGeom prst="straightConnector1">
+              <a:avLst/>
+            </a:prstGeom>
+            <a:ln w="22225">
+              <a:solidFill>
+                <a:schemeClr val="tx1"/>
+              </a:solidFill>
+              <a:tailEnd type="triangle"/>
+            </a:ln>
+          </p:spPr>
+          <p:style>
+            <a:lnRef idx="1">
+              <a:schemeClr val="accent1"/>
+            </a:lnRef>
+            <a:fillRef idx="0">
+              <a:schemeClr val="accent1"/>
+            </a:fillRef>
+            <a:effectRef idx="0">
+              <a:schemeClr val="accent1"/>
+            </a:effectRef>
+            <a:fontRef idx="minor">
               <a:schemeClr val="tx1"/>
-            </a:solidFill>
-          </a:ln>
-        </p:spPr>
-        <p:style>
-          <a:lnRef idx="2">
-            <a:schemeClr val="accent1">
-              <a:shade val="50000"/>
-            </a:schemeClr>
-          </a:lnRef>
-          <a:fillRef idx="1">
-            <a:schemeClr val="accent1"/>
-          </a:fillRef>
-          <a:effectRef idx="0">
-            <a:schemeClr val="accent1"/>
-          </a:effectRef>
-          <a:fontRef idx="minor">
-            <a:schemeClr val="lt1"/>
-          </a:fontRef>
-        </p:style>
-        <p:txBody>
-          <a:bodyPr rtlCol="0" anchor="ctr"/>
-          <a:lstStyle/>
-          <a:p>
-            <a:pPr algn="ctr"/>
-            <a:r>
-              <a:rPr lang="en-US" sz="2400" b="1" dirty="0">
-                <a:solidFill>
-                  <a:schemeClr val="tx1"/>
-                </a:solidFill>
-              </a:rPr>
-              <a:t>Assign Business</a:t>
-            </a:r>
-          </a:p>
-        </p:txBody>
-      </p:sp>
-      <p:sp>
-        <p:nvSpPr>
-          <p:cNvPr id="14" name="Rectangle 13">
-            <a:extLst>
-              <a:ext uri="{FF2B5EF4-FFF2-40B4-BE49-F238E27FC236}">
-                <a16:creationId xmlns:a16="http://schemas.microsoft.com/office/drawing/2014/main" id="{83B7902C-3F64-4F5D-912C-6B16486E373E}"/>
-              </a:ext>
-            </a:extLst>
-          </p:cNvPr>
-          <p:cNvSpPr/>
-          <p:nvPr/>
-        </p:nvSpPr>
-        <p:spPr>
-          <a:xfrm>
-            <a:off x="4209085" y="2783637"/>
-            <a:ext cx="1986059" cy="914400"/>
-          </a:xfrm>
-          <a:prstGeom prst="rect">
-            <a:avLst/>
-          </a:prstGeom>
-          <a:noFill/>
-          <a:ln>
-            <a:solidFill>
+            </a:fontRef>
+          </p:style>
+        </p:cxnSp>
+        <p:cxnSp>
+          <p:nvCxnSpPr>
+            <p:cNvPr id="18" name="Straight Arrow Connector 17">
+              <a:extLst>
+                <a:ext uri="{FF2B5EF4-FFF2-40B4-BE49-F238E27FC236}">
+                  <a16:creationId xmlns:a16="http://schemas.microsoft.com/office/drawing/2014/main" id="{C6EC98B3-C8E6-496F-A96F-384907977AC1}"/>
+                </a:ext>
+              </a:extLst>
+            </p:cNvPr>
+            <p:cNvCxnSpPr>
+              <a:cxnSpLocks/>
+              <a:stCxn id="14" idx="2"/>
+              <a:endCxn id="15" idx="0"/>
+            </p:cNvCxnSpPr>
+            <p:nvPr/>
+          </p:nvCxnSpPr>
+          <p:spPr>
+            <a:xfrm>
+              <a:off x="5202115" y="3698037"/>
+              <a:ext cx="0" cy="608421"/>
+            </a:xfrm>
+            <a:prstGeom prst="straightConnector1">
+              <a:avLst/>
+            </a:prstGeom>
+            <a:ln w="22225">
+              <a:solidFill>
+                <a:schemeClr val="tx1"/>
+              </a:solidFill>
+              <a:tailEnd type="triangle"/>
+            </a:ln>
+          </p:spPr>
+          <p:style>
+            <a:lnRef idx="1">
+              <a:schemeClr val="accent1"/>
+            </a:lnRef>
+            <a:fillRef idx="0">
+              <a:schemeClr val="accent1"/>
+            </a:fillRef>
+            <a:effectRef idx="0">
+              <a:schemeClr val="accent1"/>
+            </a:effectRef>
+            <a:fontRef idx="minor">
               <a:schemeClr val="tx1"/>
-            </a:solidFill>
-          </a:ln>
-        </p:spPr>
-        <p:style>
-          <a:lnRef idx="2">
-            <a:schemeClr val="accent1">
-              <a:shade val="50000"/>
-            </a:schemeClr>
-          </a:lnRef>
-          <a:fillRef idx="1">
-            <a:schemeClr val="accent1"/>
-          </a:fillRef>
-          <a:effectRef idx="0">
-            <a:schemeClr val="accent1"/>
-          </a:effectRef>
-          <a:fontRef idx="minor">
-            <a:schemeClr val="lt1"/>
-          </a:fontRef>
-        </p:style>
-        <p:txBody>
-          <a:bodyPr rtlCol="0" anchor="ctr"/>
-          <a:lstStyle/>
-          <a:p>
-            <a:pPr algn="ctr"/>
-            <a:r>
-              <a:rPr lang="en-US" sz="2400" b="1" dirty="0">
-                <a:solidFill>
-                  <a:schemeClr val="tx1"/>
-                </a:solidFill>
-              </a:rPr>
-              <a:t>Assign Infrastructure</a:t>
-            </a:r>
-          </a:p>
-        </p:txBody>
-      </p:sp>
-      <p:sp>
-        <p:nvSpPr>
-          <p:cNvPr id="15" name="Rectangle 14">
-            <a:extLst>
-              <a:ext uri="{FF2B5EF4-FFF2-40B4-BE49-F238E27FC236}">
-                <a16:creationId xmlns:a16="http://schemas.microsoft.com/office/drawing/2014/main" id="{8252BE24-3E66-492A-AA83-183132F79F22}"/>
-              </a:ext>
-            </a:extLst>
-          </p:cNvPr>
-          <p:cNvSpPr/>
-          <p:nvPr/>
-        </p:nvSpPr>
-        <p:spPr>
-          <a:xfrm>
-            <a:off x="4209085" y="4306458"/>
-            <a:ext cx="1986059" cy="914400"/>
-          </a:xfrm>
-          <a:prstGeom prst="rect">
-            <a:avLst/>
-          </a:prstGeom>
-          <a:noFill/>
-          <a:ln>
-            <a:solidFill>
-              <a:schemeClr val="tx1"/>
-            </a:solidFill>
-          </a:ln>
-        </p:spPr>
-        <p:style>
-          <a:lnRef idx="2">
-            <a:schemeClr val="accent1">
-              <a:shade val="50000"/>
-            </a:schemeClr>
-          </a:lnRef>
-          <a:fillRef idx="1">
-            <a:schemeClr val="accent1"/>
-          </a:fillRef>
-          <a:effectRef idx="0">
-            <a:schemeClr val="accent1"/>
-          </a:effectRef>
-          <a:fontRef idx="minor">
-            <a:schemeClr val="lt1"/>
-          </a:fontRef>
-        </p:style>
-        <p:txBody>
-          <a:bodyPr rtlCol="0" anchor="ctr"/>
-          <a:lstStyle/>
-          <a:p>
-            <a:pPr algn="ctr"/>
-            <a:r>
-              <a:rPr lang="en-US" sz="2400" b="1" dirty="0">
-                <a:solidFill>
-                  <a:schemeClr val="tx1"/>
-                </a:solidFill>
-              </a:rPr>
-              <a:t>Assign Tribe</a:t>
-            </a:r>
-          </a:p>
-        </p:txBody>
-      </p:sp>
-      <p:sp>
-        <p:nvSpPr>
-          <p:cNvPr id="16" name="Rectangle 15">
-            <a:extLst>
-              <a:ext uri="{FF2B5EF4-FFF2-40B4-BE49-F238E27FC236}">
-                <a16:creationId xmlns:a16="http://schemas.microsoft.com/office/drawing/2014/main" id="{E9255F65-EDDE-46C6-B9F9-9DD572DA9AA1}"/>
-              </a:ext>
-            </a:extLst>
-          </p:cNvPr>
-          <p:cNvSpPr/>
-          <p:nvPr/>
-        </p:nvSpPr>
-        <p:spPr>
-          <a:xfrm>
-            <a:off x="3751058" y="140410"/>
-            <a:ext cx="3185057" cy="6452413"/>
-          </a:xfrm>
-          <a:prstGeom prst="rect">
-            <a:avLst/>
-          </a:prstGeom>
-          <a:noFill/>
-          <a:ln>
-            <a:solidFill>
-              <a:schemeClr val="tx1"/>
-            </a:solidFill>
-          </a:ln>
-        </p:spPr>
-        <p:style>
-          <a:lnRef idx="2">
-            <a:schemeClr val="accent1">
-              <a:shade val="50000"/>
-            </a:schemeClr>
-          </a:lnRef>
-          <a:fillRef idx="1">
-            <a:schemeClr val="accent1"/>
-          </a:fillRef>
-          <a:effectRef idx="0">
-            <a:schemeClr val="accent1"/>
-          </a:effectRef>
-          <a:fontRef idx="minor">
-            <a:schemeClr val="lt1"/>
-          </a:fontRef>
-        </p:style>
-        <p:txBody>
-          <a:bodyPr rtlCol="0" anchor="t" anchorCtr="0"/>
-          <a:lstStyle/>
-          <a:p>
-            <a:pPr algn="ctr"/>
-            <a:r>
-              <a:rPr lang="en-US" sz="2400" b="1" dirty="0">
-                <a:solidFill>
-                  <a:schemeClr val="tx1"/>
-                </a:solidFill>
-              </a:rPr>
-              <a:t>For Each Family in Population</a:t>
-            </a:r>
-          </a:p>
-        </p:txBody>
-      </p:sp>
-      <p:cxnSp>
-        <p:nvCxnSpPr>
-          <p:cNvPr id="17" name="Straight Arrow Connector 16">
-            <a:extLst>
-              <a:ext uri="{FF2B5EF4-FFF2-40B4-BE49-F238E27FC236}">
-                <a16:creationId xmlns:a16="http://schemas.microsoft.com/office/drawing/2014/main" id="{EDF1BED6-38F4-481C-87EA-EEF4029CC046}"/>
-              </a:ext>
-            </a:extLst>
-          </p:cNvPr>
-          <p:cNvCxnSpPr>
-            <a:cxnSpLocks/>
-            <a:stCxn id="13" idx="2"/>
-            <a:endCxn id="14" idx="0"/>
-          </p:cNvCxnSpPr>
-          <p:nvPr/>
-        </p:nvCxnSpPr>
-        <p:spPr>
-          <a:xfrm>
-            <a:off x="5202115" y="2303057"/>
-            <a:ext cx="0" cy="480580"/>
-          </a:xfrm>
-          <a:prstGeom prst="straightConnector1">
-            <a:avLst/>
-          </a:prstGeom>
-          <a:ln w="22225">
-            <a:solidFill>
-              <a:schemeClr val="tx1"/>
-            </a:solidFill>
-            <a:tailEnd type="triangle"/>
-          </a:ln>
-        </p:spPr>
-        <p:style>
-          <a:lnRef idx="1">
-            <a:schemeClr val="accent1"/>
-          </a:lnRef>
-          <a:fillRef idx="0">
-            <a:schemeClr val="accent1"/>
-          </a:fillRef>
-          <a:effectRef idx="0">
-            <a:schemeClr val="accent1"/>
-          </a:effectRef>
-          <a:fontRef idx="minor">
-            <a:schemeClr val="tx1"/>
-          </a:fontRef>
-        </p:style>
-      </p:cxnSp>
-      <p:cxnSp>
-        <p:nvCxnSpPr>
-          <p:cNvPr id="18" name="Straight Arrow Connector 17">
-            <a:extLst>
-              <a:ext uri="{FF2B5EF4-FFF2-40B4-BE49-F238E27FC236}">
-                <a16:creationId xmlns:a16="http://schemas.microsoft.com/office/drawing/2014/main" id="{C6EC98B3-C8E6-496F-A96F-384907977AC1}"/>
-              </a:ext>
-            </a:extLst>
-          </p:cNvPr>
-          <p:cNvCxnSpPr>
-            <a:cxnSpLocks/>
-            <a:stCxn id="14" idx="2"/>
-            <a:endCxn id="15" idx="0"/>
-          </p:cNvCxnSpPr>
-          <p:nvPr/>
-        </p:nvCxnSpPr>
-        <p:spPr>
-          <a:xfrm>
-            <a:off x="5202115" y="3698037"/>
-            <a:ext cx="0" cy="608421"/>
-          </a:xfrm>
-          <a:prstGeom prst="straightConnector1">
-            <a:avLst/>
-          </a:prstGeom>
-          <a:ln w="22225">
-            <a:solidFill>
-              <a:schemeClr val="tx1"/>
-            </a:solidFill>
-            <a:tailEnd type="triangle"/>
-          </a:ln>
-        </p:spPr>
-        <p:style>
-          <a:lnRef idx="1">
-            <a:schemeClr val="accent1"/>
-          </a:lnRef>
-          <a:fillRef idx="0">
-            <a:schemeClr val="accent1"/>
-          </a:fillRef>
-          <a:effectRef idx="0">
-            <a:schemeClr val="accent1"/>
-          </a:effectRef>
-          <a:fontRef idx="minor">
-            <a:schemeClr val="tx1"/>
-          </a:fontRef>
-        </p:style>
-      </p:cxnSp>
+            </a:fontRef>
+          </p:style>
+        </p:cxnSp>
+      </p:grpSp>
       <p:grpSp>
         <p:nvGrpSpPr>
           <p:cNvPr id="27" name="Group 26">
@@ -4313,7 +4334,7 @@
                     <a:schemeClr val="tx1"/>
                   </a:solidFill>
                 </a:rPr>
-                <a:t>For Each Agent in Population</a:t>
+                <a:t>For Each Member in Agent Family</a:t>
               </a:r>
             </a:p>
           </p:txBody>
@@ -4656,7 +4677,7 @@
                     <a:schemeClr val="tx1"/>
                   </a:solidFill>
                 </a:rPr>
-                <a:t>For Each Agent in Population</a:t>
+                <a:t>For Each Member  in Agent Family</a:t>
               </a:r>
             </a:p>
           </p:txBody>
@@ -4784,669 +4805,1949 @@
           <a:chExt cx="0" cy="0"/>
         </a:xfrm>
       </p:grpSpPr>
-      <p:pic>
-        <p:nvPicPr>
-          <p:cNvPr id="7" name="Picture 6">
+      <p:grpSp>
+        <p:nvGrpSpPr>
+          <p:cNvPr id="2" name="Group 1">
             <a:extLst>
               <a:ext uri="{FF2B5EF4-FFF2-40B4-BE49-F238E27FC236}">
-                <a16:creationId xmlns:a16="http://schemas.microsoft.com/office/drawing/2014/main" id="{3C90FB09-F7AB-4472-B535-27B8B4C9B9E4}"/>
+                <a16:creationId xmlns:a16="http://schemas.microsoft.com/office/drawing/2014/main" id="{FAD4D954-6D5D-45B9-8095-8C8367612826}"/>
               </a:ext>
             </a:extLst>
           </p:cNvPr>
-          <p:cNvPicPr>
-            <a:picLocks noChangeAspect="1"/>
-          </p:cNvPicPr>
+          <p:cNvGrpSpPr/>
           <p:nvPr/>
-        </p:nvPicPr>
-        <p:blipFill>
-          <a:blip r:embed="rId2">
-            <a:extLst>
-              <a:ext uri="{28A0092B-C50C-407E-A947-70E740481C1C}">
-                <a14:useLocalDpi xmlns:a14="http://schemas.microsoft.com/office/drawing/2010/main" val="0"/>
-              </a:ext>
-            </a:extLst>
-          </a:blip>
-          <a:stretch>
-            <a:fillRect/>
-          </a:stretch>
-        </p:blipFill>
-        <p:spPr>
-          <a:xfrm>
-            <a:off x="3824233" y="1704722"/>
-            <a:ext cx="1696805" cy="3448556"/>
-          </a:xfrm>
-          <a:prstGeom prst="rect">
-            <a:avLst/>
-          </a:prstGeom>
-        </p:spPr>
-      </p:pic>
-      <p:pic>
-        <p:nvPicPr>
-          <p:cNvPr id="11" name="Picture 10">
-            <a:extLst>
-              <a:ext uri="{FF2B5EF4-FFF2-40B4-BE49-F238E27FC236}">
-                <a16:creationId xmlns:a16="http://schemas.microsoft.com/office/drawing/2014/main" id="{3A89A483-2E3E-4CF7-B123-095A01351CA5}"/>
-              </a:ext>
-            </a:extLst>
-          </p:cNvPr>
-          <p:cNvPicPr>
-            <a:picLocks noChangeAspect="1"/>
-          </p:cNvPicPr>
-          <p:nvPr/>
-        </p:nvPicPr>
-        <p:blipFill>
-          <a:blip r:embed="rId3">
-            <a:extLst>
-              <a:ext uri="{28A0092B-C50C-407E-A947-70E740481C1C}">
-                <a14:useLocalDpi xmlns:a14="http://schemas.microsoft.com/office/drawing/2010/main" val="0"/>
-              </a:ext>
-            </a:extLst>
-          </a:blip>
-          <a:stretch>
-            <a:fillRect/>
-          </a:stretch>
-        </p:blipFill>
-        <p:spPr>
-          <a:xfrm>
-            <a:off x="8290067" y="1704347"/>
-            <a:ext cx="1732528" cy="3345127"/>
-          </a:xfrm>
-          <a:prstGeom prst="rect">
-            <a:avLst/>
-          </a:prstGeom>
-        </p:spPr>
-      </p:pic>
-      <p:sp>
-        <p:nvSpPr>
-          <p:cNvPr id="12" name="Rectangle 11">
-            <a:extLst>
-              <a:ext uri="{FF2B5EF4-FFF2-40B4-BE49-F238E27FC236}">
-                <a16:creationId xmlns:a16="http://schemas.microsoft.com/office/drawing/2014/main" id="{894033B6-AED3-482A-AA1F-70AAB357AFF3}"/>
-              </a:ext>
-            </a:extLst>
-          </p:cNvPr>
-          <p:cNvSpPr/>
-          <p:nvPr/>
-        </p:nvSpPr>
-        <p:spPr>
-          <a:xfrm>
-            <a:off x="188305" y="2872867"/>
-            <a:ext cx="1025224" cy="1115643"/>
-          </a:xfrm>
-          <a:prstGeom prst="rect">
-            <a:avLst/>
-          </a:prstGeom>
-          <a:ln>
-            <a:solidFill>
-              <a:schemeClr val="tx1"/>
-            </a:solidFill>
-          </a:ln>
-        </p:spPr>
-        <p:style>
-          <a:lnRef idx="2">
-            <a:schemeClr val="accent6"/>
-          </a:lnRef>
-          <a:fillRef idx="1">
-            <a:schemeClr val="lt1"/>
-          </a:fillRef>
-          <a:effectRef idx="0">
-            <a:schemeClr val="accent6"/>
-          </a:effectRef>
-          <a:fontRef idx="minor">
-            <a:schemeClr val="dk1"/>
-          </a:fontRef>
-        </p:style>
-        <p:txBody>
-          <a:bodyPr rtlCol="0" anchor="ctr"/>
-          <a:lstStyle/>
-          <a:p>
-            <a:pPr algn="ctr"/>
-            <a:r>
-              <a:rPr lang="en-US" sz="2400" b="1" dirty="0"/>
-              <a:t>Read data file</a:t>
-            </a:r>
-          </a:p>
-        </p:txBody>
-      </p:sp>
-      <p:sp>
-        <p:nvSpPr>
-          <p:cNvPr id="13" name="Rectangle 12">
-            <a:extLst>
-              <a:ext uri="{FF2B5EF4-FFF2-40B4-BE49-F238E27FC236}">
-                <a16:creationId xmlns:a16="http://schemas.microsoft.com/office/drawing/2014/main" id="{6E3CE25C-EC97-47A6-B9B9-88D068C0BC03}"/>
-              </a:ext>
-            </a:extLst>
-          </p:cNvPr>
-          <p:cNvSpPr/>
-          <p:nvPr/>
-        </p:nvSpPr>
-        <p:spPr>
-          <a:xfrm>
-            <a:off x="10295131" y="2948976"/>
-            <a:ext cx="1604261" cy="941907"/>
-          </a:xfrm>
-          <a:prstGeom prst="rect">
-            <a:avLst/>
-          </a:prstGeom>
-          <a:ln>
-            <a:solidFill>
-              <a:schemeClr val="tx1"/>
-            </a:solidFill>
-          </a:ln>
-        </p:spPr>
-        <p:style>
-          <a:lnRef idx="2">
-            <a:schemeClr val="accent6"/>
-          </a:lnRef>
-          <a:fillRef idx="1">
-            <a:schemeClr val="lt1"/>
-          </a:fillRef>
-          <a:effectRef idx="0">
-            <a:schemeClr val="accent6"/>
-          </a:effectRef>
-          <a:fontRef idx="minor">
-            <a:schemeClr val="dk1"/>
-          </a:fontRef>
-        </p:style>
-        <p:txBody>
-          <a:bodyPr rtlCol="0" anchor="ctr"/>
-          <a:lstStyle/>
-          <a:p>
-            <a:pPr algn="ctr"/>
-            <a:r>
-              <a:rPr lang="en-US" sz="2400" b="1" dirty="0"/>
-              <a:t>Population</a:t>
-            </a:r>
-          </a:p>
-        </p:txBody>
-      </p:sp>
-      <p:cxnSp>
-        <p:nvCxnSpPr>
-          <p:cNvPr id="15" name="Straight Arrow Connector 14">
-            <a:extLst>
-              <a:ext uri="{FF2B5EF4-FFF2-40B4-BE49-F238E27FC236}">
-                <a16:creationId xmlns:a16="http://schemas.microsoft.com/office/drawing/2014/main" id="{E87DB3D7-C362-47BF-81D8-1E517071611E}"/>
-              </a:ext>
-            </a:extLst>
-          </p:cNvPr>
-          <p:cNvCxnSpPr>
-            <a:cxnSpLocks/>
-            <a:stCxn id="12" idx="3"/>
-            <a:endCxn id="6" idx="1"/>
-          </p:cNvCxnSpPr>
-          <p:nvPr/>
-        </p:nvCxnSpPr>
-        <p:spPr>
-          <a:xfrm>
-            <a:off x="1213529" y="3430689"/>
-            <a:ext cx="440512" cy="7811"/>
-          </a:xfrm>
-          <a:prstGeom prst="straightConnector1">
-            <a:avLst/>
-          </a:prstGeom>
-          <a:ln w="19050">
-            <a:solidFill>
-              <a:schemeClr val="tx1"/>
-            </a:solidFill>
-            <a:tailEnd type="triangle"/>
-          </a:ln>
-        </p:spPr>
-        <p:style>
-          <a:lnRef idx="1">
-            <a:schemeClr val="accent1"/>
-          </a:lnRef>
-          <a:fillRef idx="0">
-            <a:schemeClr val="accent1"/>
-          </a:fillRef>
-          <a:effectRef idx="0">
-            <a:schemeClr val="accent1"/>
-          </a:effectRef>
-          <a:fontRef idx="minor">
-            <a:schemeClr val="tx1"/>
-          </a:fontRef>
-        </p:style>
-      </p:cxnSp>
-      <p:cxnSp>
-        <p:nvCxnSpPr>
-          <p:cNvPr id="16" name="Straight Arrow Connector 15">
-            <a:extLst>
-              <a:ext uri="{FF2B5EF4-FFF2-40B4-BE49-F238E27FC236}">
-                <a16:creationId xmlns:a16="http://schemas.microsoft.com/office/drawing/2014/main" id="{5FF6FD10-8A07-48CC-AF40-B35959CFA9D4}"/>
-              </a:ext>
-            </a:extLst>
-          </p:cNvPr>
-          <p:cNvCxnSpPr>
-            <a:cxnSpLocks/>
-            <a:stCxn id="6" idx="3"/>
-            <a:endCxn id="7" idx="1"/>
-          </p:cNvCxnSpPr>
-          <p:nvPr/>
-        </p:nvCxnSpPr>
-        <p:spPr>
-          <a:xfrm flipV="1">
-            <a:off x="3386569" y="3429000"/>
-            <a:ext cx="419803" cy="9500"/>
-          </a:xfrm>
-          <a:prstGeom prst="straightConnector1">
-            <a:avLst/>
-          </a:prstGeom>
-          <a:ln w="15875">
-            <a:solidFill>
-              <a:schemeClr val="tx1"/>
-            </a:solidFill>
-            <a:tailEnd type="triangle"/>
-          </a:ln>
-        </p:spPr>
-        <p:style>
-          <a:lnRef idx="1">
-            <a:schemeClr val="accent1"/>
-          </a:lnRef>
-          <a:fillRef idx="0">
-            <a:schemeClr val="accent1"/>
-          </a:fillRef>
-          <a:effectRef idx="0">
-            <a:schemeClr val="accent1"/>
-          </a:effectRef>
-          <a:fontRef idx="minor">
-            <a:schemeClr val="tx1"/>
-          </a:fontRef>
-        </p:style>
-      </p:cxnSp>
-      <p:cxnSp>
-        <p:nvCxnSpPr>
-          <p:cNvPr id="17" name="Straight Arrow Connector 16">
-            <a:extLst>
-              <a:ext uri="{FF2B5EF4-FFF2-40B4-BE49-F238E27FC236}">
-                <a16:creationId xmlns:a16="http://schemas.microsoft.com/office/drawing/2014/main" id="{34E73AA2-C899-4924-B076-5ED7261D820B}"/>
-              </a:ext>
-            </a:extLst>
-          </p:cNvPr>
-          <p:cNvCxnSpPr/>
-          <p:nvPr/>
-        </p:nvCxnSpPr>
-        <p:spPr>
-          <a:xfrm>
-            <a:off x="5538900" y="3429000"/>
-            <a:ext cx="530627" cy="0"/>
-          </a:xfrm>
-          <a:prstGeom prst="straightConnector1">
-            <a:avLst/>
-          </a:prstGeom>
-          <a:ln w="15875">
-            <a:solidFill>
-              <a:schemeClr val="tx1"/>
-            </a:solidFill>
-            <a:tailEnd type="triangle"/>
-          </a:ln>
-        </p:spPr>
-        <p:style>
-          <a:lnRef idx="1">
-            <a:schemeClr val="accent1"/>
-          </a:lnRef>
-          <a:fillRef idx="0">
-            <a:schemeClr val="accent1"/>
-          </a:fillRef>
-          <a:effectRef idx="0">
-            <a:schemeClr val="accent1"/>
-          </a:effectRef>
-          <a:fontRef idx="minor">
-            <a:schemeClr val="tx1"/>
-          </a:fontRef>
-        </p:style>
-      </p:cxnSp>
-      <p:cxnSp>
-        <p:nvCxnSpPr>
-          <p:cNvPr id="19" name="Straight Arrow Connector 18">
-            <a:extLst>
-              <a:ext uri="{FF2B5EF4-FFF2-40B4-BE49-F238E27FC236}">
-                <a16:creationId xmlns:a16="http://schemas.microsoft.com/office/drawing/2014/main" id="{A6198D8F-4E9B-4289-A755-0DCB4B1169C9}"/>
-              </a:ext>
-            </a:extLst>
-          </p:cNvPr>
-          <p:cNvCxnSpPr>
-            <a:cxnSpLocks/>
-          </p:cNvCxnSpPr>
-          <p:nvPr/>
-        </p:nvCxnSpPr>
-        <p:spPr>
-          <a:xfrm>
-            <a:off x="7808114" y="3428619"/>
-            <a:ext cx="481953" cy="9881"/>
-          </a:xfrm>
-          <a:prstGeom prst="straightConnector1">
-            <a:avLst/>
-          </a:prstGeom>
-          <a:ln w="15875">
-            <a:solidFill>
-              <a:schemeClr val="tx1"/>
-            </a:solidFill>
-            <a:tailEnd type="triangle"/>
-          </a:ln>
-        </p:spPr>
-        <p:style>
-          <a:lnRef idx="1">
-            <a:schemeClr val="accent1"/>
-          </a:lnRef>
-          <a:fillRef idx="0">
-            <a:schemeClr val="accent1"/>
-          </a:fillRef>
-          <a:effectRef idx="0">
-            <a:schemeClr val="accent1"/>
-          </a:effectRef>
-          <a:fontRef idx="minor">
-            <a:schemeClr val="tx1"/>
-          </a:fontRef>
-        </p:style>
-      </p:cxnSp>
-      <p:cxnSp>
-        <p:nvCxnSpPr>
-          <p:cNvPr id="20" name="Straight Arrow Connector 19">
-            <a:extLst>
-              <a:ext uri="{FF2B5EF4-FFF2-40B4-BE49-F238E27FC236}">
-                <a16:creationId xmlns:a16="http://schemas.microsoft.com/office/drawing/2014/main" id="{07C208F1-CEF1-4F15-8F52-29021B4CBE55}"/>
-              </a:ext>
-            </a:extLst>
-          </p:cNvPr>
-          <p:cNvCxnSpPr>
-            <a:cxnSpLocks/>
-            <a:endCxn id="13" idx="1"/>
-          </p:cNvCxnSpPr>
-          <p:nvPr/>
-        </p:nvCxnSpPr>
-        <p:spPr>
-          <a:xfrm flipV="1">
-            <a:off x="10022595" y="3419930"/>
-            <a:ext cx="272536" cy="2"/>
-          </a:xfrm>
-          <a:prstGeom prst="straightConnector1">
-            <a:avLst/>
-          </a:prstGeom>
-          <a:ln w="15875">
-            <a:solidFill>
-              <a:schemeClr val="tx1"/>
-            </a:solidFill>
-            <a:tailEnd type="triangle"/>
-          </a:ln>
-        </p:spPr>
-        <p:style>
-          <a:lnRef idx="1">
-            <a:schemeClr val="accent1"/>
-          </a:lnRef>
-          <a:fillRef idx="0">
-            <a:schemeClr val="accent1"/>
-          </a:fillRef>
-          <a:effectRef idx="0">
-            <a:schemeClr val="accent1"/>
-          </a:effectRef>
-          <a:fontRef idx="minor">
-            <a:schemeClr val="tx1"/>
-          </a:fontRef>
-        </p:style>
-      </p:cxnSp>
-      <p:sp>
-        <p:nvSpPr>
-          <p:cNvPr id="25" name="TextBox 24">
-            <a:extLst>
-              <a:ext uri="{FF2B5EF4-FFF2-40B4-BE49-F238E27FC236}">
-                <a16:creationId xmlns:a16="http://schemas.microsoft.com/office/drawing/2014/main" id="{C04375FF-F61D-4DD9-9F2E-1C34FE15C6BE}"/>
-              </a:ext>
-            </a:extLst>
-          </p:cNvPr>
-          <p:cNvSpPr txBox="1"/>
-          <p:nvPr/>
-        </p:nvSpPr>
-        <p:spPr>
-          <a:xfrm>
-            <a:off x="1836267" y="1072535"/>
-            <a:ext cx="1247457" cy="523220"/>
-          </a:xfrm>
-          <a:prstGeom prst="rect">
-            <a:avLst/>
-          </a:prstGeom>
-          <a:noFill/>
-        </p:spPr>
-        <p:txBody>
-          <a:bodyPr wrap="none" rtlCol="0">
-            <a:spAutoFit/>
-          </a:bodyPr>
-          <a:lstStyle/>
-          <a:p>
-            <a:r>
-              <a:rPr lang="en-US" sz="2800" b="1" dirty="0"/>
-              <a:t>Phase I</a:t>
-            </a:r>
-          </a:p>
-        </p:txBody>
-      </p:sp>
-      <p:sp>
-        <p:nvSpPr>
-          <p:cNvPr id="26" name="TextBox 25">
-            <a:extLst>
-              <a:ext uri="{FF2B5EF4-FFF2-40B4-BE49-F238E27FC236}">
-                <a16:creationId xmlns:a16="http://schemas.microsoft.com/office/drawing/2014/main" id="{18D2A612-1018-4D12-94D2-3E15F3A5AE4D}"/>
-              </a:ext>
-            </a:extLst>
-          </p:cNvPr>
-          <p:cNvSpPr txBox="1"/>
-          <p:nvPr/>
-        </p:nvSpPr>
-        <p:spPr>
-          <a:xfrm>
-            <a:off x="4034241" y="1098714"/>
-            <a:ext cx="1343638" cy="523220"/>
-          </a:xfrm>
-          <a:prstGeom prst="rect">
-            <a:avLst/>
-          </a:prstGeom>
-          <a:noFill/>
-        </p:spPr>
-        <p:txBody>
-          <a:bodyPr wrap="none" rtlCol="0">
-            <a:spAutoFit/>
-          </a:bodyPr>
-          <a:lstStyle/>
-          <a:p>
-            <a:r>
-              <a:rPr lang="en-US" sz="2800" b="1" dirty="0"/>
-              <a:t>Phase II</a:t>
-            </a:r>
-          </a:p>
-        </p:txBody>
-      </p:sp>
-      <p:sp>
-        <p:nvSpPr>
-          <p:cNvPr id="27" name="TextBox 26">
-            <a:extLst>
-              <a:ext uri="{FF2B5EF4-FFF2-40B4-BE49-F238E27FC236}">
-                <a16:creationId xmlns:a16="http://schemas.microsoft.com/office/drawing/2014/main" id="{66404CC5-B56C-40E2-AA44-FE2AEC3371B8}"/>
-              </a:ext>
-            </a:extLst>
-          </p:cNvPr>
-          <p:cNvSpPr txBox="1"/>
-          <p:nvPr/>
-        </p:nvSpPr>
-        <p:spPr>
-          <a:xfrm>
-            <a:off x="6243742" y="1074150"/>
-            <a:ext cx="1439818" cy="523220"/>
-          </a:xfrm>
-          <a:prstGeom prst="rect">
-            <a:avLst/>
-          </a:prstGeom>
-          <a:noFill/>
-        </p:spPr>
-        <p:txBody>
-          <a:bodyPr wrap="none" rtlCol="0">
-            <a:spAutoFit/>
-          </a:bodyPr>
-          <a:lstStyle/>
-          <a:p>
-            <a:r>
-              <a:rPr lang="en-US" sz="2800" b="1" dirty="0"/>
-              <a:t>Phase III</a:t>
-            </a:r>
-          </a:p>
-        </p:txBody>
-      </p:sp>
-      <p:sp>
-        <p:nvSpPr>
-          <p:cNvPr id="28" name="TextBox 27">
-            <a:extLst>
-              <a:ext uri="{FF2B5EF4-FFF2-40B4-BE49-F238E27FC236}">
-                <a16:creationId xmlns:a16="http://schemas.microsoft.com/office/drawing/2014/main" id="{5867A6F9-DB13-473A-95B0-C5F499DDA6B2}"/>
-              </a:ext>
-            </a:extLst>
-          </p:cNvPr>
-          <p:cNvSpPr txBox="1"/>
-          <p:nvPr/>
-        </p:nvSpPr>
-        <p:spPr>
-          <a:xfrm>
-            <a:off x="8426804" y="1081860"/>
-            <a:ext cx="1459054" cy="523220"/>
-          </a:xfrm>
-          <a:prstGeom prst="rect">
-            <a:avLst/>
-          </a:prstGeom>
-          <a:noFill/>
-        </p:spPr>
-        <p:txBody>
-          <a:bodyPr wrap="none" rtlCol="0">
-            <a:spAutoFit/>
-          </a:bodyPr>
-          <a:lstStyle/>
-          <a:p>
-            <a:r>
-              <a:rPr lang="en-US" sz="2800" b="1" dirty="0"/>
-              <a:t>Phase IV</a:t>
-            </a:r>
-          </a:p>
-        </p:txBody>
-      </p:sp>
-      <p:pic>
-        <p:nvPicPr>
-          <p:cNvPr id="38" name="Picture 37">
-            <a:extLst>
-              <a:ext uri="{FF2B5EF4-FFF2-40B4-BE49-F238E27FC236}">
-                <a16:creationId xmlns:a16="http://schemas.microsoft.com/office/drawing/2014/main" id="{C4C8FF45-6169-4B7D-9371-A5519784AF67}"/>
-              </a:ext>
-            </a:extLst>
-          </p:cNvPr>
-          <p:cNvPicPr>
-            <a:picLocks noChangeAspect="1"/>
-          </p:cNvPicPr>
-          <p:nvPr/>
-        </p:nvPicPr>
-        <p:blipFill>
-          <a:blip r:embed="rId4">
-            <a:extLst>
-              <a:ext uri="{28A0092B-C50C-407E-A947-70E740481C1C}">
-                <a14:useLocalDpi xmlns:a14="http://schemas.microsoft.com/office/drawing/2010/main" val="0"/>
-              </a:ext>
-            </a:extLst>
-          </a:blip>
-          <a:stretch>
-            <a:fillRect/>
-          </a:stretch>
-        </p:blipFill>
-        <p:spPr>
-          <a:xfrm>
-            <a:off x="6115248" y="1704722"/>
-            <a:ext cx="1696805" cy="3448556"/>
-          </a:xfrm>
-          <a:prstGeom prst="rect">
-            <a:avLst/>
-          </a:prstGeom>
-        </p:spPr>
-      </p:pic>
-      <p:pic>
-        <p:nvPicPr>
-          <p:cNvPr id="6" name="Picture 5">
-            <a:extLst>
-              <a:ext uri="{FF2B5EF4-FFF2-40B4-BE49-F238E27FC236}">
-                <a16:creationId xmlns:a16="http://schemas.microsoft.com/office/drawing/2014/main" id="{B503A2F7-5F39-4E25-846F-63641E69CEF5}"/>
-              </a:ext>
-            </a:extLst>
-          </p:cNvPr>
-          <p:cNvPicPr>
-            <a:picLocks noChangeAspect="1"/>
-          </p:cNvPicPr>
-          <p:nvPr/>
-        </p:nvPicPr>
-        <p:blipFill>
-          <a:blip r:embed="rId5">
-            <a:extLst>
-              <a:ext uri="{28A0092B-C50C-407E-A947-70E740481C1C}">
-                <a14:useLocalDpi xmlns:a14="http://schemas.microsoft.com/office/drawing/2010/main" val="0"/>
-              </a:ext>
-            </a:extLst>
-          </a:blip>
-          <a:stretch>
-            <a:fillRect/>
-          </a:stretch>
-        </p:blipFill>
-        <p:spPr>
-          <a:xfrm>
-            <a:off x="1654041" y="1704347"/>
-            <a:ext cx="1732528" cy="3468306"/>
-          </a:xfrm>
-          <a:prstGeom prst="rect">
-            <a:avLst/>
-          </a:prstGeom>
-        </p:spPr>
-      </p:pic>
-      <p:sp>
-        <p:nvSpPr>
-          <p:cNvPr id="23" name="Rectangle 22">
-            <a:extLst>
-              <a:ext uri="{FF2B5EF4-FFF2-40B4-BE49-F238E27FC236}">
-                <a16:creationId xmlns:a16="http://schemas.microsoft.com/office/drawing/2014/main" id="{2FE1578E-D29F-47CB-B642-82657C5AE1FA}"/>
-              </a:ext>
-            </a:extLst>
-          </p:cNvPr>
-          <p:cNvSpPr/>
-          <p:nvPr/>
-        </p:nvSpPr>
-        <p:spPr>
+        </p:nvGrpSpPr>
+        <p:grpSpPr>
           <a:xfrm>
             <a:off x="73152" y="731520"/>
             <a:ext cx="12006072" cy="4851699"/>
+            <a:chOff x="73152" y="731520"/>
+            <a:chExt cx="12006072" cy="4851699"/>
           </a:xfrm>
-          <a:prstGeom prst="rect">
-            <a:avLst/>
-          </a:prstGeom>
-          <a:noFill/>
-          <a:ln>
-            <a:solidFill>
+        </p:grpSpPr>
+        <p:sp>
+          <p:nvSpPr>
+            <p:cNvPr id="12" name="Rectangle 11">
+              <a:extLst>
+                <a:ext uri="{FF2B5EF4-FFF2-40B4-BE49-F238E27FC236}">
+                  <a16:creationId xmlns:a16="http://schemas.microsoft.com/office/drawing/2014/main" id="{894033B6-AED3-482A-AA1F-70AAB357AFF3}"/>
+                </a:ext>
+              </a:extLst>
+            </p:cNvPr>
+            <p:cNvSpPr/>
+            <p:nvPr/>
+          </p:nvSpPr>
+          <p:spPr>
+            <a:xfrm>
+              <a:off x="188305" y="2872867"/>
+              <a:ext cx="1025224" cy="1115643"/>
+            </a:xfrm>
+            <a:prstGeom prst="rect">
+              <a:avLst/>
+            </a:prstGeom>
+            <a:ln>
+              <a:solidFill>
+                <a:schemeClr val="tx1"/>
+              </a:solidFill>
+            </a:ln>
+          </p:spPr>
+          <p:style>
+            <a:lnRef idx="2">
+              <a:schemeClr val="accent6"/>
+            </a:lnRef>
+            <a:fillRef idx="1">
+              <a:schemeClr val="lt1"/>
+            </a:fillRef>
+            <a:effectRef idx="0">
+              <a:schemeClr val="accent6"/>
+            </a:effectRef>
+            <a:fontRef idx="minor">
+              <a:schemeClr val="dk1"/>
+            </a:fontRef>
+          </p:style>
+          <p:txBody>
+            <a:bodyPr rtlCol="0" anchor="ctr"/>
+            <a:lstStyle/>
+            <a:p>
+              <a:pPr algn="ctr"/>
+              <a:r>
+                <a:rPr lang="en-US" sz="2400" b="1" dirty="0"/>
+                <a:t>Read data file</a:t>
+              </a:r>
+            </a:p>
+          </p:txBody>
+        </p:sp>
+        <p:sp>
+          <p:nvSpPr>
+            <p:cNvPr id="13" name="Rectangle 12">
+              <a:extLst>
+                <a:ext uri="{FF2B5EF4-FFF2-40B4-BE49-F238E27FC236}">
+                  <a16:creationId xmlns:a16="http://schemas.microsoft.com/office/drawing/2014/main" id="{6E3CE25C-EC97-47A6-B9B9-88D068C0BC03}"/>
+                </a:ext>
+              </a:extLst>
+            </p:cNvPr>
+            <p:cNvSpPr/>
+            <p:nvPr/>
+          </p:nvSpPr>
+          <p:spPr>
+            <a:xfrm>
+              <a:off x="10295131" y="2948976"/>
+              <a:ext cx="1604261" cy="941907"/>
+            </a:xfrm>
+            <a:prstGeom prst="rect">
+              <a:avLst/>
+            </a:prstGeom>
+            <a:ln>
+              <a:solidFill>
+                <a:schemeClr val="tx1"/>
+              </a:solidFill>
+            </a:ln>
+          </p:spPr>
+          <p:style>
+            <a:lnRef idx="2">
+              <a:schemeClr val="accent6"/>
+            </a:lnRef>
+            <a:fillRef idx="1">
+              <a:schemeClr val="lt1"/>
+            </a:fillRef>
+            <a:effectRef idx="0">
+              <a:schemeClr val="accent6"/>
+            </a:effectRef>
+            <a:fontRef idx="minor">
+              <a:schemeClr val="dk1"/>
+            </a:fontRef>
+          </p:style>
+          <p:txBody>
+            <a:bodyPr rtlCol="0" anchor="ctr"/>
+            <a:lstStyle/>
+            <a:p>
+              <a:pPr algn="ctr"/>
+              <a:r>
+                <a:rPr lang="en-US" sz="2400" b="1" dirty="0"/>
+                <a:t>Population</a:t>
+              </a:r>
+            </a:p>
+          </p:txBody>
+        </p:sp>
+        <p:cxnSp>
+          <p:nvCxnSpPr>
+            <p:cNvPr id="15" name="Straight Arrow Connector 14">
+              <a:extLst>
+                <a:ext uri="{FF2B5EF4-FFF2-40B4-BE49-F238E27FC236}">
+                  <a16:creationId xmlns:a16="http://schemas.microsoft.com/office/drawing/2014/main" id="{E87DB3D7-C362-47BF-81D8-1E517071611E}"/>
+                </a:ext>
+              </a:extLst>
+            </p:cNvPr>
+            <p:cNvCxnSpPr>
+              <a:cxnSpLocks/>
+              <a:stCxn id="12" idx="3"/>
+            </p:cNvCxnSpPr>
+            <p:nvPr/>
+          </p:nvCxnSpPr>
+          <p:spPr>
+            <a:xfrm>
+              <a:off x="1213529" y="3430689"/>
+              <a:ext cx="440512" cy="7811"/>
+            </a:xfrm>
+            <a:prstGeom prst="straightConnector1">
+              <a:avLst/>
+            </a:prstGeom>
+            <a:ln w="19050">
+              <a:solidFill>
+                <a:schemeClr val="tx1"/>
+              </a:solidFill>
+              <a:tailEnd type="triangle"/>
+            </a:ln>
+          </p:spPr>
+          <p:style>
+            <a:lnRef idx="1">
+              <a:schemeClr val="accent1"/>
+            </a:lnRef>
+            <a:fillRef idx="0">
+              <a:schemeClr val="accent1"/>
+            </a:fillRef>
+            <a:effectRef idx="0">
+              <a:schemeClr val="accent1"/>
+            </a:effectRef>
+            <a:fontRef idx="minor">
               <a:schemeClr val="tx1"/>
-            </a:solidFill>
-          </a:ln>
-        </p:spPr>
-        <p:style>
-          <a:lnRef idx="2">
-            <a:schemeClr val="accent1">
-              <a:shade val="50000"/>
-            </a:schemeClr>
-          </a:lnRef>
-          <a:fillRef idx="1">
-            <a:schemeClr val="accent1"/>
-          </a:fillRef>
-          <a:effectRef idx="0">
-            <a:schemeClr val="accent1"/>
-          </a:effectRef>
-          <a:fontRef idx="minor">
-            <a:schemeClr val="lt1"/>
-          </a:fontRef>
-        </p:style>
-        <p:txBody>
-          <a:bodyPr rtlCol="0" anchor="ctr"/>
-          <a:lstStyle/>
-          <a:p>
-            <a:pPr algn="ctr"/>
-            <a:endParaRPr lang="en-US"/>
-          </a:p>
-        </p:txBody>
-      </p:sp>
+            </a:fontRef>
+          </p:style>
+        </p:cxnSp>
+        <p:cxnSp>
+          <p:nvCxnSpPr>
+            <p:cNvPr id="16" name="Straight Arrow Connector 15">
+              <a:extLst>
+                <a:ext uri="{FF2B5EF4-FFF2-40B4-BE49-F238E27FC236}">
+                  <a16:creationId xmlns:a16="http://schemas.microsoft.com/office/drawing/2014/main" id="{5FF6FD10-8A07-48CC-AF40-B35959CFA9D4}"/>
+                </a:ext>
+              </a:extLst>
+            </p:cNvPr>
+            <p:cNvCxnSpPr>
+              <a:cxnSpLocks/>
+            </p:cNvCxnSpPr>
+            <p:nvPr/>
+          </p:nvCxnSpPr>
+          <p:spPr>
+            <a:xfrm flipV="1">
+              <a:off x="3386569" y="3429000"/>
+              <a:ext cx="419803" cy="9500"/>
+            </a:xfrm>
+            <a:prstGeom prst="straightConnector1">
+              <a:avLst/>
+            </a:prstGeom>
+            <a:ln w="15875">
+              <a:solidFill>
+                <a:schemeClr val="tx1"/>
+              </a:solidFill>
+              <a:tailEnd type="triangle"/>
+            </a:ln>
+          </p:spPr>
+          <p:style>
+            <a:lnRef idx="1">
+              <a:schemeClr val="accent1"/>
+            </a:lnRef>
+            <a:fillRef idx="0">
+              <a:schemeClr val="accent1"/>
+            </a:fillRef>
+            <a:effectRef idx="0">
+              <a:schemeClr val="accent1"/>
+            </a:effectRef>
+            <a:fontRef idx="minor">
+              <a:schemeClr val="tx1"/>
+            </a:fontRef>
+          </p:style>
+        </p:cxnSp>
+        <p:cxnSp>
+          <p:nvCxnSpPr>
+            <p:cNvPr id="17" name="Straight Arrow Connector 16">
+              <a:extLst>
+                <a:ext uri="{FF2B5EF4-FFF2-40B4-BE49-F238E27FC236}">
+                  <a16:creationId xmlns:a16="http://schemas.microsoft.com/office/drawing/2014/main" id="{34E73AA2-C899-4924-B076-5ED7261D820B}"/>
+                </a:ext>
+              </a:extLst>
+            </p:cNvPr>
+            <p:cNvCxnSpPr/>
+            <p:nvPr/>
+          </p:nvCxnSpPr>
+          <p:spPr>
+            <a:xfrm>
+              <a:off x="5538900" y="3429000"/>
+              <a:ext cx="530627" cy="0"/>
+            </a:xfrm>
+            <a:prstGeom prst="straightConnector1">
+              <a:avLst/>
+            </a:prstGeom>
+            <a:ln w="15875">
+              <a:solidFill>
+                <a:schemeClr val="tx1"/>
+              </a:solidFill>
+              <a:tailEnd type="triangle"/>
+            </a:ln>
+          </p:spPr>
+          <p:style>
+            <a:lnRef idx="1">
+              <a:schemeClr val="accent1"/>
+            </a:lnRef>
+            <a:fillRef idx="0">
+              <a:schemeClr val="accent1"/>
+            </a:fillRef>
+            <a:effectRef idx="0">
+              <a:schemeClr val="accent1"/>
+            </a:effectRef>
+            <a:fontRef idx="minor">
+              <a:schemeClr val="tx1"/>
+            </a:fontRef>
+          </p:style>
+        </p:cxnSp>
+        <p:cxnSp>
+          <p:nvCxnSpPr>
+            <p:cNvPr id="19" name="Straight Arrow Connector 18">
+              <a:extLst>
+                <a:ext uri="{FF2B5EF4-FFF2-40B4-BE49-F238E27FC236}">
+                  <a16:creationId xmlns:a16="http://schemas.microsoft.com/office/drawing/2014/main" id="{A6198D8F-4E9B-4289-A755-0DCB4B1169C9}"/>
+                </a:ext>
+              </a:extLst>
+            </p:cNvPr>
+            <p:cNvCxnSpPr>
+              <a:cxnSpLocks/>
+            </p:cNvCxnSpPr>
+            <p:nvPr/>
+          </p:nvCxnSpPr>
+          <p:spPr>
+            <a:xfrm>
+              <a:off x="7808114" y="3428619"/>
+              <a:ext cx="481953" cy="9881"/>
+            </a:xfrm>
+            <a:prstGeom prst="straightConnector1">
+              <a:avLst/>
+            </a:prstGeom>
+            <a:ln w="15875">
+              <a:solidFill>
+                <a:schemeClr val="tx1"/>
+              </a:solidFill>
+              <a:tailEnd type="triangle"/>
+            </a:ln>
+          </p:spPr>
+          <p:style>
+            <a:lnRef idx="1">
+              <a:schemeClr val="accent1"/>
+            </a:lnRef>
+            <a:fillRef idx="0">
+              <a:schemeClr val="accent1"/>
+            </a:fillRef>
+            <a:effectRef idx="0">
+              <a:schemeClr val="accent1"/>
+            </a:effectRef>
+            <a:fontRef idx="minor">
+              <a:schemeClr val="tx1"/>
+            </a:fontRef>
+          </p:style>
+        </p:cxnSp>
+        <p:cxnSp>
+          <p:nvCxnSpPr>
+            <p:cNvPr id="20" name="Straight Arrow Connector 19">
+              <a:extLst>
+                <a:ext uri="{FF2B5EF4-FFF2-40B4-BE49-F238E27FC236}">
+                  <a16:creationId xmlns:a16="http://schemas.microsoft.com/office/drawing/2014/main" id="{07C208F1-CEF1-4F15-8F52-29021B4CBE55}"/>
+                </a:ext>
+              </a:extLst>
+            </p:cNvPr>
+            <p:cNvCxnSpPr>
+              <a:cxnSpLocks/>
+              <a:endCxn id="13" idx="1"/>
+            </p:cNvCxnSpPr>
+            <p:nvPr/>
+          </p:nvCxnSpPr>
+          <p:spPr>
+            <a:xfrm flipV="1">
+              <a:off x="10022595" y="3419930"/>
+              <a:ext cx="272536" cy="2"/>
+            </a:xfrm>
+            <a:prstGeom prst="straightConnector1">
+              <a:avLst/>
+            </a:prstGeom>
+            <a:ln w="15875">
+              <a:solidFill>
+                <a:schemeClr val="tx1"/>
+              </a:solidFill>
+              <a:tailEnd type="triangle"/>
+            </a:ln>
+          </p:spPr>
+          <p:style>
+            <a:lnRef idx="1">
+              <a:schemeClr val="accent1"/>
+            </a:lnRef>
+            <a:fillRef idx="0">
+              <a:schemeClr val="accent1"/>
+            </a:fillRef>
+            <a:effectRef idx="0">
+              <a:schemeClr val="accent1"/>
+            </a:effectRef>
+            <a:fontRef idx="minor">
+              <a:schemeClr val="tx1"/>
+            </a:fontRef>
+          </p:style>
+        </p:cxnSp>
+        <p:sp>
+          <p:nvSpPr>
+            <p:cNvPr id="25" name="TextBox 24">
+              <a:extLst>
+                <a:ext uri="{FF2B5EF4-FFF2-40B4-BE49-F238E27FC236}">
+                  <a16:creationId xmlns:a16="http://schemas.microsoft.com/office/drawing/2014/main" id="{C04375FF-F61D-4DD9-9F2E-1C34FE15C6BE}"/>
+                </a:ext>
+              </a:extLst>
+            </p:cNvPr>
+            <p:cNvSpPr txBox="1"/>
+            <p:nvPr/>
+          </p:nvSpPr>
+          <p:spPr>
+            <a:xfrm>
+              <a:off x="1836267" y="1072535"/>
+              <a:ext cx="1247457" cy="523220"/>
+            </a:xfrm>
+            <a:prstGeom prst="rect">
+              <a:avLst/>
+            </a:prstGeom>
+            <a:noFill/>
+          </p:spPr>
+          <p:txBody>
+            <a:bodyPr wrap="none" rtlCol="0">
+              <a:spAutoFit/>
+            </a:bodyPr>
+            <a:lstStyle/>
+            <a:p>
+              <a:r>
+                <a:rPr lang="en-US" sz="2800" b="1" dirty="0"/>
+                <a:t>Phase I</a:t>
+              </a:r>
+            </a:p>
+          </p:txBody>
+        </p:sp>
+        <p:sp>
+          <p:nvSpPr>
+            <p:cNvPr id="26" name="TextBox 25">
+              <a:extLst>
+                <a:ext uri="{FF2B5EF4-FFF2-40B4-BE49-F238E27FC236}">
+                  <a16:creationId xmlns:a16="http://schemas.microsoft.com/office/drawing/2014/main" id="{18D2A612-1018-4D12-94D2-3E15F3A5AE4D}"/>
+                </a:ext>
+              </a:extLst>
+            </p:cNvPr>
+            <p:cNvSpPr txBox="1"/>
+            <p:nvPr/>
+          </p:nvSpPr>
+          <p:spPr>
+            <a:xfrm>
+              <a:off x="4034241" y="1098714"/>
+              <a:ext cx="1343638" cy="523220"/>
+            </a:xfrm>
+            <a:prstGeom prst="rect">
+              <a:avLst/>
+            </a:prstGeom>
+            <a:noFill/>
+          </p:spPr>
+          <p:txBody>
+            <a:bodyPr wrap="none" rtlCol="0">
+              <a:spAutoFit/>
+            </a:bodyPr>
+            <a:lstStyle/>
+            <a:p>
+              <a:r>
+                <a:rPr lang="en-US" sz="2800" b="1" dirty="0"/>
+                <a:t>Phase II</a:t>
+              </a:r>
+            </a:p>
+          </p:txBody>
+        </p:sp>
+        <p:sp>
+          <p:nvSpPr>
+            <p:cNvPr id="27" name="TextBox 26">
+              <a:extLst>
+                <a:ext uri="{FF2B5EF4-FFF2-40B4-BE49-F238E27FC236}">
+                  <a16:creationId xmlns:a16="http://schemas.microsoft.com/office/drawing/2014/main" id="{66404CC5-B56C-40E2-AA44-FE2AEC3371B8}"/>
+                </a:ext>
+              </a:extLst>
+            </p:cNvPr>
+            <p:cNvSpPr txBox="1"/>
+            <p:nvPr/>
+          </p:nvSpPr>
+          <p:spPr>
+            <a:xfrm>
+              <a:off x="6243742" y="1074150"/>
+              <a:ext cx="1439818" cy="523220"/>
+            </a:xfrm>
+            <a:prstGeom prst="rect">
+              <a:avLst/>
+            </a:prstGeom>
+            <a:noFill/>
+          </p:spPr>
+          <p:txBody>
+            <a:bodyPr wrap="none" rtlCol="0">
+              <a:spAutoFit/>
+            </a:bodyPr>
+            <a:lstStyle/>
+            <a:p>
+              <a:r>
+                <a:rPr lang="en-US" sz="2800" b="1" dirty="0"/>
+                <a:t>Phase III</a:t>
+              </a:r>
+            </a:p>
+          </p:txBody>
+        </p:sp>
+        <p:sp>
+          <p:nvSpPr>
+            <p:cNvPr id="28" name="TextBox 27">
+              <a:extLst>
+                <a:ext uri="{FF2B5EF4-FFF2-40B4-BE49-F238E27FC236}">
+                  <a16:creationId xmlns:a16="http://schemas.microsoft.com/office/drawing/2014/main" id="{5867A6F9-DB13-473A-95B0-C5F499DDA6B2}"/>
+                </a:ext>
+              </a:extLst>
+            </p:cNvPr>
+            <p:cNvSpPr txBox="1"/>
+            <p:nvPr/>
+          </p:nvSpPr>
+          <p:spPr>
+            <a:xfrm>
+              <a:off x="8426804" y="1081860"/>
+              <a:ext cx="1459054" cy="523220"/>
+            </a:xfrm>
+            <a:prstGeom prst="rect">
+              <a:avLst/>
+            </a:prstGeom>
+            <a:noFill/>
+          </p:spPr>
+          <p:txBody>
+            <a:bodyPr wrap="none" rtlCol="0">
+              <a:spAutoFit/>
+            </a:bodyPr>
+            <a:lstStyle/>
+            <a:p>
+              <a:r>
+                <a:rPr lang="en-US" sz="2800" b="1" dirty="0"/>
+                <a:t>Phase IV</a:t>
+              </a:r>
+            </a:p>
+          </p:txBody>
+        </p:sp>
+        <p:sp>
+          <p:nvSpPr>
+            <p:cNvPr id="23" name="Rectangle 22">
+              <a:extLst>
+                <a:ext uri="{FF2B5EF4-FFF2-40B4-BE49-F238E27FC236}">
+                  <a16:creationId xmlns:a16="http://schemas.microsoft.com/office/drawing/2014/main" id="{2FE1578E-D29F-47CB-B642-82657C5AE1FA}"/>
+                </a:ext>
+              </a:extLst>
+            </p:cNvPr>
+            <p:cNvSpPr/>
+            <p:nvPr/>
+          </p:nvSpPr>
+          <p:spPr>
+            <a:xfrm>
+              <a:off x="73152" y="731520"/>
+              <a:ext cx="12006072" cy="4851699"/>
+            </a:xfrm>
+            <a:prstGeom prst="rect">
+              <a:avLst/>
+            </a:prstGeom>
+            <a:noFill/>
+            <a:ln>
+              <a:solidFill>
+                <a:schemeClr val="tx1"/>
+              </a:solidFill>
+            </a:ln>
+          </p:spPr>
+          <p:style>
+            <a:lnRef idx="2">
+              <a:schemeClr val="accent1">
+                <a:shade val="50000"/>
+              </a:schemeClr>
+            </a:lnRef>
+            <a:fillRef idx="1">
+              <a:schemeClr val="accent1"/>
+            </a:fillRef>
+            <a:effectRef idx="0">
+              <a:schemeClr val="accent1"/>
+            </a:effectRef>
+            <a:fontRef idx="minor">
+              <a:schemeClr val="lt1"/>
+            </a:fontRef>
+          </p:style>
+          <p:txBody>
+            <a:bodyPr rtlCol="0" anchor="ctr"/>
+            <a:lstStyle/>
+            <a:p>
+              <a:pPr algn="ctr"/>
+              <a:endParaRPr lang="en-US"/>
+            </a:p>
+          </p:txBody>
+        </p:sp>
+        <p:grpSp>
+          <p:nvGrpSpPr>
+            <p:cNvPr id="18" name="Group 17">
+              <a:extLst>
+                <a:ext uri="{FF2B5EF4-FFF2-40B4-BE49-F238E27FC236}">
+                  <a16:creationId xmlns:a16="http://schemas.microsoft.com/office/drawing/2014/main" id="{AFFDCF68-BF10-4C12-A161-8DA74366AB69}"/>
+                </a:ext>
+              </a:extLst>
+            </p:cNvPr>
+            <p:cNvGrpSpPr/>
+            <p:nvPr/>
+          </p:nvGrpSpPr>
+          <p:grpSpPr>
+            <a:xfrm>
+              <a:off x="1633926" y="1727780"/>
+              <a:ext cx="1749795" cy="3425498"/>
+              <a:chOff x="415898" y="140410"/>
+              <a:chExt cx="3235481" cy="6452413"/>
+            </a:xfrm>
+          </p:grpSpPr>
+          <p:sp>
+            <p:nvSpPr>
+              <p:cNvPr id="21" name="Rectangle 20">
+                <a:extLst>
+                  <a:ext uri="{FF2B5EF4-FFF2-40B4-BE49-F238E27FC236}">
+                    <a16:creationId xmlns:a16="http://schemas.microsoft.com/office/drawing/2014/main" id="{DBA57D3B-B93D-4199-A9FE-502341C4BC1C}"/>
+                  </a:ext>
+                </a:extLst>
+              </p:cNvPr>
+              <p:cNvSpPr/>
+              <p:nvPr/>
+            </p:nvSpPr>
+            <p:spPr>
+              <a:xfrm>
+                <a:off x="874044" y="2385112"/>
+                <a:ext cx="2195359" cy="1056405"/>
+              </a:xfrm>
+              <a:prstGeom prst="rect">
+                <a:avLst/>
+              </a:prstGeom>
+              <a:noFill/>
+              <a:ln>
+                <a:solidFill>
+                  <a:schemeClr val="tx1"/>
+                </a:solidFill>
+              </a:ln>
+            </p:spPr>
+            <p:style>
+              <a:lnRef idx="2">
+                <a:schemeClr val="accent1">
+                  <a:shade val="50000"/>
+                </a:schemeClr>
+              </a:lnRef>
+              <a:fillRef idx="1">
+                <a:schemeClr val="accent1"/>
+              </a:fillRef>
+              <a:effectRef idx="0">
+                <a:schemeClr val="accent1"/>
+              </a:effectRef>
+              <a:fontRef idx="minor">
+                <a:schemeClr val="lt1"/>
+              </a:fontRef>
+            </p:style>
+            <p:txBody>
+              <a:bodyPr rtlCol="0" anchor="ctr"/>
+              <a:lstStyle/>
+              <a:p>
+                <a:pPr algn="ctr"/>
+                <a:r>
+                  <a:rPr lang="en-US" sz="1200" b="1" dirty="0">
+                    <a:solidFill>
+                      <a:schemeClr val="tx1"/>
+                    </a:solidFill>
+                  </a:rPr>
+                  <a:t>Create Rent Vector</a:t>
+                </a:r>
+              </a:p>
+            </p:txBody>
+          </p:sp>
+          <p:sp>
+            <p:nvSpPr>
+              <p:cNvPr id="22" name="Rectangle 21">
+                <a:extLst>
+                  <a:ext uri="{FF2B5EF4-FFF2-40B4-BE49-F238E27FC236}">
+                    <a16:creationId xmlns:a16="http://schemas.microsoft.com/office/drawing/2014/main" id="{13BF3FDF-1C3C-4FC0-8E9E-41B39337E72C}"/>
+                  </a:ext>
+                </a:extLst>
+              </p:cNvPr>
+              <p:cNvSpPr/>
+              <p:nvPr/>
+            </p:nvSpPr>
+            <p:spPr>
+              <a:xfrm>
+                <a:off x="874044" y="3827734"/>
+                <a:ext cx="2195362" cy="1033941"/>
+              </a:xfrm>
+              <a:prstGeom prst="rect">
+                <a:avLst/>
+              </a:prstGeom>
+              <a:noFill/>
+              <a:ln>
+                <a:solidFill>
+                  <a:schemeClr val="tx1"/>
+                </a:solidFill>
+              </a:ln>
+            </p:spPr>
+            <p:style>
+              <a:lnRef idx="2">
+                <a:schemeClr val="accent1">
+                  <a:shade val="50000"/>
+                </a:schemeClr>
+              </a:lnRef>
+              <a:fillRef idx="1">
+                <a:schemeClr val="accent1"/>
+              </a:fillRef>
+              <a:effectRef idx="0">
+                <a:schemeClr val="accent1"/>
+              </a:effectRef>
+              <a:fontRef idx="minor">
+                <a:schemeClr val="lt1"/>
+              </a:fontRef>
+            </p:style>
+            <p:txBody>
+              <a:bodyPr rtlCol="0" anchor="ctr"/>
+              <a:lstStyle/>
+              <a:p>
+                <a:pPr algn="ctr"/>
+                <a:r>
+                  <a:rPr lang="en-US" sz="1200" b="1" dirty="0">
+                    <a:solidFill>
+                      <a:schemeClr val="tx1"/>
+                    </a:solidFill>
+                  </a:rPr>
+                  <a:t>Create Child Vector</a:t>
+                </a:r>
+              </a:p>
+            </p:txBody>
+          </p:sp>
+          <p:cxnSp>
+            <p:nvCxnSpPr>
+              <p:cNvPr id="24" name="Straight Arrow Connector 23">
+                <a:extLst>
+                  <a:ext uri="{FF2B5EF4-FFF2-40B4-BE49-F238E27FC236}">
+                    <a16:creationId xmlns:a16="http://schemas.microsoft.com/office/drawing/2014/main" id="{89DAC97E-1ECE-4162-B90B-D023837B2BA8}"/>
+                  </a:ext>
+                </a:extLst>
+              </p:cNvPr>
+              <p:cNvCxnSpPr>
+                <a:cxnSpLocks/>
+                <a:stCxn id="29" idx="2"/>
+                <a:endCxn id="21" idx="0"/>
+              </p:cNvCxnSpPr>
+              <p:nvPr/>
+            </p:nvCxnSpPr>
+            <p:spPr>
+              <a:xfrm flipH="1">
+                <a:off x="1971724" y="2079949"/>
+                <a:ext cx="1" cy="305163"/>
+              </a:xfrm>
+              <a:prstGeom prst="straightConnector1">
+                <a:avLst/>
+              </a:prstGeom>
+              <a:ln w="22225">
+                <a:solidFill>
+                  <a:schemeClr val="tx1"/>
+                </a:solidFill>
+                <a:tailEnd type="triangle"/>
+              </a:ln>
+            </p:spPr>
+            <p:style>
+              <a:lnRef idx="1">
+                <a:schemeClr val="accent1"/>
+              </a:lnRef>
+              <a:fillRef idx="0">
+                <a:schemeClr val="accent1"/>
+              </a:fillRef>
+              <a:effectRef idx="0">
+                <a:schemeClr val="accent1"/>
+              </a:effectRef>
+              <a:fontRef idx="minor">
+                <a:schemeClr val="tx1"/>
+              </a:fontRef>
+            </p:style>
+          </p:cxnSp>
+          <p:sp>
+            <p:nvSpPr>
+              <p:cNvPr id="29" name="Rectangle 28">
+                <a:extLst>
+                  <a:ext uri="{FF2B5EF4-FFF2-40B4-BE49-F238E27FC236}">
+                    <a16:creationId xmlns:a16="http://schemas.microsoft.com/office/drawing/2014/main" id="{D6909829-8878-4A68-BDB5-198FE5D8F8BA}"/>
+                  </a:ext>
+                </a:extLst>
+              </p:cNvPr>
+              <p:cNvSpPr/>
+              <p:nvPr/>
+            </p:nvSpPr>
+            <p:spPr>
+              <a:xfrm>
+                <a:off x="874044" y="1046008"/>
+                <a:ext cx="2195362" cy="1033941"/>
+              </a:xfrm>
+              <a:prstGeom prst="rect">
+                <a:avLst/>
+              </a:prstGeom>
+              <a:noFill/>
+              <a:ln>
+                <a:solidFill>
+                  <a:schemeClr val="tx1"/>
+                </a:solidFill>
+              </a:ln>
+            </p:spPr>
+            <p:style>
+              <a:lnRef idx="2">
+                <a:schemeClr val="accent1">
+                  <a:shade val="50000"/>
+                </a:schemeClr>
+              </a:lnRef>
+              <a:fillRef idx="1">
+                <a:schemeClr val="accent1"/>
+              </a:fillRef>
+              <a:effectRef idx="0">
+                <a:schemeClr val="accent1"/>
+              </a:effectRef>
+              <a:fontRef idx="minor">
+                <a:schemeClr val="lt1"/>
+              </a:fontRef>
+            </p:style>
+            <p:txBody>
+              <a:bodyPr rtlCol="0" anchor="ctr"/>
+              <a:lstStyle/>
+              <a:p>
+                <a:pPr algn="ctr"/>
+                <a:r>
+                  <a:rPr lang="en-US" sz="1200" b="1" dirty="0">
+                    <a:solidFill>
+                      <a:schemeClr val="tx1"/>
+                    </a:solidFill>
+                  </a:rPr>
+                  <a:t>Create Adult by Family Type Vector</a:t>
+                </a:r>
+              </a:p>
+            </p:txBody>
+          </p:sp>
+          <p:cxnSp>
+            <p:nvCxnSpPr>
+              <p:cNvPr id="30" name="Straight Arrow Connector 29">
+                <a:extLst>
+                  <a:ext uri="{FF2B5EF4-FFF2-40B4-BE49-F238E27FC236}">
+                    <a16:creationId xmlns:a16="http://schemas.microsoft.com/office/drawing/2014/main" id="{C3B1DE10-0058-4B74-978D-EAF720AF39E1}"/>
+                  </a:ext>
+                </a:extLst>
+              </p:cNvPr>
+              <p:cNvCxnSpPr>
+                <a:cxnSpLocks/>
+                <a:stCxn id="21" idx="2"/>
+                <a:endCxn id="22" idx="0"/>
+              </p:cNvCxnSpPr>
+              <p:nvPr/>
+            </p:nvCxnSpPr>
+            <p:spPr>
+              <a:xfrm>
+                <a:off x="1971724" y="3441517"/>
+                <a:ext cx="1" cy="386217"/>
+              </a:xfrm>
+              <a:prstGeom prst="straightConnector1">
+                <a:avLst/>
+              </a:prstGeom>
+              <a:ln w="22225">
+                <a:solidFill>
+                  <a:schemeClr val="tx1"/>
+                </a:solidFill>
+                <a:tailEnd type="triangle"/>
+              </a:ln>
+            </p:spPr>
+            <p:style>
+              <a:lnRef idx="1">
+                <a:schemeClr val="accent1"/>
+              </a:lnRef>
+              <a:fillRef idx="0">
+                <a:schemeClr val="accent1"/>
+              </a:fillRef>
+              <a:effectRef idx="0">
+                <a:schemeClr val="accent1"/>
+              </a:effectRef>
+              <a:fontRef idx="minor">
+                <a:schemeClr val="tx1"/>
+              </a:fontRef>
+            </p:style>
+          </p:cxnSp>
+          <p:sp>
+            <p:nvSpPr>
+              <p:cNvPr id="31" name="Rectangle 30">
+                <a:extLst>
+                  <a:ext uri="{FF2B5EF4-FFF2-40B4-BE49-F238E27FC236}">
+                    <a16:creationId xmlns:a16="http://schemas.microsoft.com/office/drawing/2014/main" id="{2B76C5DC-B9E1-4761-B96A-DF857A218B80}"/>
+                  </a:ext>
+                </a:extLst>
+              </p:cNvPr>
+              <p:cNvSpPr/>
+              <p:nvPr/>
+            </p:nvSpPr>
+            <p:spPr>
+              <a:xfrm>
+                <a:off x="874041" y="5229604"/>
+                <a:ext cx="2195362" cy="1033941"/>
+              </a:xfrm>
+              <a:prstGeom prst="rect">
+                <a:avLst/>
+              </a:prstGeom>
+              <a:noFill/>
+              <a:ln>
+                <a:solidFill>
+                  <a:schemeClr val="tx1"/>
+                </a:solidFill>
+              </a:ln>
+            </p:spPr>
+            <p:style>
+              <a:lnRef idx="2">
+                <a:schemeClr val="accent1">
+                  <a:shade val="50000"/>
+                </a:schemeClr>
+              </a:lnRef>
+              <a:fillRef idx="1">
+                <a:schemeClr val="accent1"/>
+              </a:fillRef>
+              <a:effectRef idx="0">
+                <a:schemeClr val="accent1"/>
+              </a:effectRef>
+              <a:fontRef idx="minor">
+                <a:schemeClr val="lt1"/>
+              </a:fontRef>
+            </p:style>
+            <p:txBody>
+              <a:bodyPr rtlCol="0" anchor="ctr"/>
+              <a:lstStyle/>
+              <a:p>
+                <a:pPr algn="ctr"/>
+                <a:r>
+                  <a:rPr lang="en-US" sz="1200" b="1" dirty="0">
+                    <a:solidFill>
+                      <a:schemeClr val="tx1"/>
+                    </a:solidFill>
+                  </a:rPr>
+                  <a:t>Integrate Vectors to Create Families </a:t>
+                </a:r>
+              </a:p>
+            </p:txBody>
+          </p:sp>
+          <p:cxnSp>
+            <p:nvCxnSpPr>
+              <p:cNvPr id="32" name="Straight Arrow Connector 31">
+                <a:extLst>
+                  <a:ext uri="{FF2B5EF4-FFF2-40B4-BE49-F238E27FC236}">
+                    <a16:creationId xmlns:a16="http://schemas.microsoft.com/office/drawing/2014/main" id="{D50DA775-246D-4E6F-BF35-DB9C62206339}"/>
+                  </a:ext>
+                </a:extLst>
+              </p:cNvPr>
+              <p:cNvCxnSpPr>
+                <a:cxnSpLocks/>
+                <a:stCxn id="22" idx="2"/>
+                <a:endCxn id="31" idx="0"/>
+              </p:cNvCxnSpPr>
+              <p:nvPr/>
+            </p:nvCxnSpPr>
+            <p:spPr>
+              <a:xfrm flipH="1">
+                <a:off x="1971722" y="4861675"/>
+                <a:ext cx="3" cy="367929"/>
+              </a:xfrm>
+              <a:prstGeom prst="straightConnector1">
+                <a:avLst/>
+              </a:prstGeom>
+              <a:ln w="22225">
+                <a:solidFill>
+                  <a:schemeClr val="tx1"/>
+                </a:solidFill>
+                <a:tailEnd type="triangle"/>
+              </a:ln>
+            </p:spPr>
+            <p:style>
+              <a:lnRef idx="1">
+                <a:schemeClr val="accent1"/>
+              </a:lnRef>
+              <a:fillRef idx="0">
+                <a:schemeClr val="accent1"/>
+              </a:fillRef>
+              <a:effectRef idx="0">
+                <a:schemeClr val="accent1"/>
+              </a:effectRef>
+              <a:fontRef idx="minor">
+                <a:schemeClr val="tx1"/>
+              </a:fontRef>
+            </p:style>
+          </p:cxnSp>
+          <p:sp>
+            <p:nvSpPr>
+              <p:cNvPr id="33" name="Rectangle 32">
+                <a:extLst>
+                  <a:ext uri="{FF2B5EF4-FFF2-40B4-BE49-F238E27FC236}">
+                    <a16:creationId xmlns:a16="http://schemas.microsoft.com/office/drawing/2014/main" id="{D4DAB478-0802-4420-8E73-8980BB475ED0}"/>
+                  </a:ext>
+                </a:extLst>
+              </p:cNvPr>
+              <p:cNvSpPr/>
+              <p:nvPr/>
+            </p:nvSpPr>
+            <p:spPr>
+              <a:xfrm>
+                <a:off x="415898" y="140410"/>
+                <a:ext cx="3235481" cy="6452413"/>
+              </a:xfrm>
+              <a:prstGeom prst="rect">
+                <a:avLst/>
+              </a:prstGeom>
+              <a:noFill/>
+              <a:ln>
+                <a:solidFill>
+                  <a:schemeClr val="tx1"/>
+                </a:solidFill>
+              </a:ln>
+            </p:spPr>
+            <p:style>
+              <a:lnRef idx="2">
+                <a:schemeClr val="accent1">
+                  <a:shade val="50000"/>
+                </a:schemeClr>
+              </a:lnRef>
+              <a:fillRef idx="1">
+                <a:schemeClr val="accent1"/>
+              </a:fillRef>
+              <a:effectRef idx="0">
+                <a:schemeClr val="accent1"/>
+              </a:effectRef>
+              <a:fontRef idx="minor">
+                <a:schemeClr val="lt1"/>
+              </a:fontRef>
+            </p:style>
+            <p:txBody>
+              <a:bodyPr rtlCol="0" anchor="t" anchorCtr="0"/>
+              <a:lstStyle/>
+              <a:p>
+                <a:pPr algn="ctr"/>
+                <a:r>
+                  <a:rPr lang="en-US" sz="1200" b="1" dirty="0">
+                    <a:solidFill>
+                      <a:schemeClr val="tx1"/>
+                    </a:solidFill>
+                  </a:rPr>
+                  <a:t>For Each Structure in Data File</a:t>
+                </a:r>
+              </a:p>
+            </p:txBody>
+          </p:sp>
+        </p:grpSp>
+        <p:grpSp>
+          <p:nvGrpSpPr>
+            <p:cNvPr id="35" name="Group 34">
+              <a:extLst>
+                <a:ext uri="{FF2B5EF4-FFF2-40B4-BE49-F238E27FC236}">
+                  <a16:creationId xmlns:a16="http://schemas.microsoft.com/office/drawing/2014/main" id="{CAC6BD1E-C366-4F73-B0CD-FA8C554350FA}"/>
+                </a:ext>
+              </a:extLst>
+            </p:cNvPr>
+            <p:cNvGrpSpPr/>
+            <p:nvPr/>
+          </p:nvGrpSpPr>
+          <p:grpSpPr>
+            <a:xfrm>
+              <a:off x="3787744" y="1727778"/>
+              <a:ext cx="1749795" cy="3425499"/>
+              <a:chOff x="3751058" y="85546"/>
+              <a:chExt cx="3185057" cy="6452413"/>
+            </a:xfrm>
+          </p:grpSpPr>
+          <p:sp>
+            <p:nvSpPr>
+              <p:cNvPr id="36" name="Rectangle 35">
+                <a:extLst>
+                  <a:ext uri="{FF2B5EF4-FFF2-40B4-BE49-F238E27FC236}">
+                    <a16:creationId xmlns:a16="http://schemas.microsoft.com/office/drawing/2014/main" id="{F9F2E82E-3A35-4941-9C6F-212B969C784B}"/>
+                  </a:ext>
+                </a:extLst>
+              </p:cNvPr>
+              <p:cNvSpPr/>
+              <p:nvPr/>
+            </p:nvSpPr>
+            <p:spPr>
+              <a:xfrm>
+                <a:off x="4209085" y="1388657"/>
+                <a:ext cx="1986059" cy="914400"/>
+              </a:xfrm>
+              <a:prstGeom prst="rect">
+                <a:avLst/>
+              </a:prstGeom>
+              <a:noFill/>
+              <a:ln>
+                <a:solidFill>
+                  <a:schemeClr val="tx1"/>
+                </a:solidFill>
+              </a:ln>
+            </p:spPr>
+            <p:style>
+              <a:lnRef idx="2">
+                <a:schemeClr val="accent1">
+                  <a:shade val="50000"/>
+                </a:schemeClr>
+              </a:lnRef>
+              <a:fillRef idx="1">
+                <a:schemeClr val="accent1"/>
+              </a:fillRef>
+              <a:effectRef idx="0">
+                <a:schemeClr val="accent1"/>
+              </a:effectRef>
+              <a:fontRef idx="minor">
+                <a:schemeClr val="lt1"/>
+              </a:fontRef>
+            </p:style>
+            <p:txBody>
+              <a:bodyPr rtlCol="0" anchor="ctr"/>
+              <a:lstStyle/>
+              <a:p>
+                <a:pPr algn="ctr"/>
+                <a:r>
+                  <a:rPr lang="en-US" sz="1200" b="1" dirty="0">
+                    <a:solidFill>
+                      <a:schemeClr val="tx1"/>
+                    </a:solidFill>
+                  </a:rPr>
+                  <a:t>Assign Business</a:t>
+                </a:r>
+              </a:p>
+            </p:txBody>
+          </p:sp>
+          <p:sp>
+            <p:nvSpPr>
+              <p:cNvPr id="37" name="Rectangle 36">
+                <a:extLst>
+                  <a:ext uri="{FF2B5EF4-FFF2-40B4-BE49-F238E27FC236}">
+                    <a16:creationId xmlns:a16="http://schemas.microsoft.com/office/drawing/2014/main" id="{7DEFA529-9020-44F7-998F-359024EB907E}"/>
+                  </a:ext>
+                </a:extLst>
+              </p:cNvPr>
+              <p:cNvSpPr/>
+              <p:nvPr/>
+            </p:nvSpPr>
+            <p:spPr>
+              <a:xfrm>
+                <a:off x="4209085" y="2783637"/>
+                <a:ext cx="1986059" cy="914400"/>
+              </a:xfrm>
+              <a:prstGeom prst="rect">
+                <a:avLst/>
+              </a:prstGeom>
+              <a:noFill/>
+              <a:ln>
+                <a:solidFill>
+                  <a:schemeClr val="tx1"/>
+                </a:solidFill>
+              </a:ln>
+            </p:spPr>
+            <p:style>
+              <a:lnRef idx="2">
+                <a:schemeClr val="accent1">
+                  <a:shade val="50000"/>
+                </a:schemeClr>
+              </a:lnRef>
+              <a:fillRef idx="1">
+                <a:schemeClr val="accent1"/>
+              </a:fillRef>
+              <a:effectRef idx="0">
+                <a:schemeClr val="accent1"/>
+              </a:effectRef>
+              <a:fontRef idx="minor">
+                <a:schemeClr val="lt1"/>
+              </a:fontRef>
+            </p:style>
+            <p:txBody>
+              <a:bodyPr rtlCol="0" anchor="ctr"/>
+              <a:lstStyle/>
+              <a:p>
+                <a:pPr algn="ctr"/>
+                <a:r>
+                  <a:rPr lang="en-US" sz="1200" b="1" dirty="0">
+                    <a:solidFill>
+                      <a:schemeClr val="tx1"/>
+                    </a:solidFill>
+                  </a:rPr>
+                  <a:t>Assign Infrastructure</a:t>
+                </a:r>
+              </a:p>
+            </p:txBody>
+          </p:sp>
+          <p:sp>
+            <p:nvSpPr>
+              <p:cNvPr id="39" name="Rectangle 38">
+                <a:extLst>
+                  <a:ext uri="{FF2B5EF4-FFF2-40B4-BE49-F238E27FC236}">
+                    <a16:creationId xmlns:a16="http://schemas.microsoft.com/office/drawing/2014/main" id="{04F681C3-1BE9-44EC-883A-1051ACE01B2D}"/>
+                  </a:ext>
+                </a:extLst>
+              </p:cNvPr>
+              <p:cNvSpPr/>
+              <p:nvPr/>
+            </p:nvSpPr>
+            <p:spPr>
+              <a:xfrm>
+                <a:off x="4209085" y="4306458"/>
+                <a:ext cx="1986059" cy="914400"/>
+              </a:xfrm>
+              <a:prstGeom prst="rect">
+                <a:avLst/>
+              </a:prstGeom>
+              <a:noFill/>
+              <a:ln>
+                <a:solidFill>
+                  <a:schemeClr val="tx1"/>
+                </a:solidFill>
+              </a:ln>
+            </p:spPr>
+            <p:style>
+              <a:lnRef idx="2">
+                <a:schemeClr val="accent1">
+                  <a:shade val="50000"/>
+                </a:schemeClr>
+              </a:lnRef>
+              <a:fillRef idx="1">
+                <a:schemeClr val="accent1"/>
+              </a:fillRef>
+              <a:effectRef idx="0">
+                <a:schemeClr val="accent1"/>
+              </a:effectRef>
+              <a:fontRef idx="minor">
+                <a:schemeClr val="lt1"/>
+              </a:fontRef>
+            </p:style>
+            <p:txBody>
+              <a:bodyPr rtlCol="0" anchor="ctr"/>
+              <a:lstStyle/>
+              <a:p>
+                <a:pPr algn="ctr"/>
+                <a:r>
+                  <a:rPr lang="en-US" sz="1200" b="1" dirty="0">
+                    <a:solidFill>
+                      <a:schemeClr val="tx1"/>
+                    </a:solidFill>
+                  </a:rPr>
+                  <a:t>Assign Tribe</a:t>
+                </a:r>
+              </a:p>
+            </p:txBody>
+          </p:sp>
+          <p:sp>
+            <p:nvSpPr>
+              <p:cNvPr id="40" name="Rectangle 39">
+                <a:extLst>
+                  <a:ext uri="{FF2B5EF4-FFF2-40B4-BE49-F238E27FC236}">
+                    <a16:creationId xmlns:a16="http://schemas.microsoft.com/office/drawing/2014/main" id="{075D370E-744C-4CB4-819F-782B3777B187}"/>
+                  </a:ext>
+                </a:extLst>
+              </p:cNvPr>
+              <p:cNvSpPr/>
+              <p:nvPr/>
+            </p:nvSpPr>
+            <p:spPr>
+              <a:xfrm>
+                <a:off x="3751058" y="85546"/>
+                <a:ext cx="3185057" cy="6452413"/>
+              </a:xfrm>
+              <a:prstGeom prst="rect">
+                <a:avLst/>
+              </a:prstGeom>
+              <a:noFill/>
+              <a:ln>
+                <a:solidFill>
+                  <a:schemeClr val="tx1"/>
+                </a:solidFill>
+              </a:ln>
+            </p:spPr>
+            <p:style>
+              <a:lnRef idx="2">
+                <a:schemeClr val="accent1">
+                  <a:shade val="50000"/>
+                </a:schemeClr>
+              </a:lnRef>
+              <a:fillRef idx="1">
+                <a:schemeClr val="accent1"/>
+              </a:fillRef>
+              <a:effectRef idx="0">
+                <a:schemeClr val="accent1"/>
+              </a:effectRef>
+              <a:fontRef idx="minor">
+                <a:schemeClr val="lt1"/>
+              </a:fontRef>
+            </p:style>
+            <p:txBody>
+              <a:bodyPr rtlCol="0" anchor="t" anchorCtr="0"/>
+              <a:lstStyle/>
+              <a:p>
+                <a:pPr algn="ctr"/>
+                <a:r>
+                  <a:rPr lang="en-US" sz="1200" b="1" dirty="0">
+                    <a:solidFill>
+                      <a:schemeClr val="tx1"/>
+                    </a:solidFill>
+                  </a:rPr>
+                  <a:t>For Each Family in Population</a:t>
+                </a:r>
+              </a:p>
+            </p:txBody>
+          </p:sp>
+          <p:cxnSp>
+            <p:nvCxnSpPr>
+              <p:cNvPr id="41" name="Straight Arrow Connector 40">
+                <a:extLst>
+                  <a:ext uri="{FF2B5EF4-FFF2-40B4-BE49-F238E27FC236}">
+                    <a16:creationId xmlns:a16="http://schemas.microsoft.com/office/drawing/2014/main" id="{7896333E-7AC0-41CB-95D3-213DBBD933AC}"/>
+                  </a:ext>
+                </a:extLst>
+              </p:cNvPr>
+              <p:cNvCxnSpPr>
+                <a:cxnSpLocks/>
+                <a:stCxn id="36" idx="2"/>
+                <a:endCxn id="37" idx="0"/>
+              </p:cNvCxnSpPr>
+              <p:nvPr/>
+            </p:nvCxnSpPr>
+            <p:spPr>
+              <a:xfrm>
+                <a:off x="5202115" y="2303057"/>
+                <a:ext cx="0" cy="480580"/>
+              </a:xfrm>
+              <a:prstGeom prst="straightConnector1">
+                <a:avLst/>
+              </a:prstGeom>
+              <a:ln w="22225">
+                <a:solidFill>
+                  <a:schemeClr val="tx1"/>
+                </a:solidFill>
+                <a:tailEnd type="triangle"/>
+              </a:ln>
+            </p:spPr>
+            <p:style>
+              <a:lnRef idx="1">
+                <a:schemeClr val="accent1"/>
+              </a:lnRef>
+              <a:fillRef idx="0">
+                <a:schemeClr val="accent1"/>
+              </a:fillRef>
+              <a:effectRef idx="0">
+                <a:schemeClr val="accent1"/>
+              </a:effectRef>
+              <a:fontRef idx="minor">
+                <a:schemeClr val="tx1"/>
+              </a:fontRef>
+            </p:style>
+          </p:cxnSp>
+          <p:cxnSp>
+            <p:nvCxnSpPr>
+              <p:cNvPr id="42" name="Straight Arrow Connector 41">
+                <a:extLst>
+                  <a:ext uri="{FF2B5EF4-FFF2-40B4-BE49-F238E27FC236}">
+                    <a16:creationId xmlns:a16="http://schemas.microsoft.com/office/drawing/2014/main" id="{15F25425-5A4B-4FDF-BABD-814E92D4D3F6}"/>
+                  </a:ext>
+                </a:extLst>
+              </p:cNvPr>
+              <p:cNvCxnSpPr>
+                <a:cxnSpLocks/>
+                <a:stCxn id="37" idx="2"/>
+                <a:endCxn id="39" idx="0"/>
+              </p:cNvCxnSpPr>
+              <p:nvPr/>
+            </p:nvCxnSpPr>
+            <p:spPr>
+              <a:xfrm>
+                <a:off x="5202115" y="3698037"/>
+                <a:ext cx="0" cy="608421"/>
+              </a:xfrm>
+              <a:prstGeom prst="straightConnector1">
+                <a:avLst/>
+              </a:prstGeom>
+              <a:ln w="22225">
+                <a:solidFill>
+                  <a:schemeClr val="tx1"/>
+                </a:solidFill>
+                <a:tailEnd type="triangle"/>
+              </a:ln>
+            </p:spPr>
+            <p:style>
+              <a:lnRef idx="1">
+                <a:schemeClr val="accent1"/>
+              </a:lnRef>
+              <a:fillRef idx="0">
+                <a:schemeClr val="accent1"/>
+              </a:fillRef>
+              <a:effectRef idx="0">
+                <a:schemeClr val="accent1"/>
+              </a:effectRef>
+              <a:fontRef idx="minor">
+                <a:schemeClr val="tx1"/>
+              </a:fontRef>
+            </p:style>
+          </p:cxnSp>
+        </p:grpSp>
+        <p:grpSp>
+          <p:nvGrpSpPr>
+            <p:cNvPr id="48" name="Group 47">
+              <a:extLst>
+                <a:ext uri="{FF2B5EF4-FFF2-40B4-BE49-F238E27FC236}">
+                  <a16:creationId xmlns:a16="http://schemas.microsoft.com/office/drawing/2014/main" id="{4DC251A2-CA1F-420F-A48B-46252C527FE0}"/>
+                </a:ext>
+              </a:extLst>
+            </p:cNvPr>
+            <p:cNvGrpSpPr/>
+            <p:nvPr/>
+          </p:nvGrpSpPr>
+          <p:grpSpPr>
+            <a:xfrm>
+              <a:off x="6096000" y="1697537"/>
+              <a:ext cx="1662079" cy="3455735"/>
+              <a:chOff x="7207055" y="275798"/>
+              <a:chExt cx="3185057" cy="6339431"/>
+            </a:xfrm>
+          </p:grpSpPr>
+          <p:sp>
+            <p:nvSpPr>
+              <p:cNvPr id="49" name="Rectangle 48">
+                <a:extLst>
+                  <a:ext uri="{FF2B5EF4-FFF2-40B4-BE49-F238E27FC236}">
+                    <a16:creationId xmlns:a16="http://schemas.microsoft.com/office/drawing/2014/main" id="{908DDBC4-6C85-44BE-9AC0-0426320DE5CE}"/>
+                  </a:ext>
+                </a:extLst>
+              </p:cNvPr>
+              <p:cNvSpPr/>
+              <p:nvPr/>
+            </p:nvSpPr>
+            <p:spPr>
+              <a:xfrm>
+                <a:off x="7844627" y="2090861"/>
+                <a:ext cx="1986059" cy="914400"/>
+              </a:xfrm>
+              <a:prstGeom prst="rect">
+                <a:avLst/>
+              </a:prstGeom>
+              <a:noFill/>
+              <a:ln>
+                <a:solidFill>
+                  <a:schemeClr val="tx1"/>
+                </a:solidFill>
+              </a:ln>
+            </p:spPr>
+            <p:style>
+              <a:lnRef idx="2">
+                <a:schemeClr val="accent1">
+                  <a:shade val="50000"/>
+                </a:schemeClr>
+              </a:lnRef>
+              <a:fillRef idx="1">
+                <a:schemeClr val="accent1"/>
+              </a:fillRef>
+              <a:effectRef idx="0">
+                <a:schemeClr val="accent1"/>
+              </a:effectRef>
+              <a:fontRef idx="minor">
+                <a:schemeClr val="lt1"/>
+              </a:fontRef>
+            </p:style>
+            <p:txBody>
+              <a:bodyPr rtlCol="0" anchor="ctr"/>
+              <a:lstStyle/>
+              <a:p>
+                <a:pPr algn="ctr"/>
+                <a:r>
+                  <a:rPr lang="en-US" sz="1200" b="1" dirty="0">
+                    <a:solidFill>
+                      <a:schemeClr val="tx1"/>
+                    </a:solidFill>
+                  </a:rPr>
+                  <a:t>Assign Age</a:t>
+                </a:r>
+              </a:p>
+            </p:txBody>
+          </p:sp>
+          <p:sp>
+            <p:nvSpPr>
+              <p:cNvPr id="50" name="Rectangle 49">
+                <a:extLst>
+                  <a:ext uri="{FF2B5EF4-FFF2-40B4-BE49-F238E27FC236}">
+                    <a16:creationId xmlns:a16="http://schemas.microsoft.com/office/drawing/2014/main" id="{E9AD6011-1217-4E44-A587-8704D15FD548}"/>
+                  </a:ext>
+                </a:extLst>
+              </p:cNvPr>
+              <p:cNvSpPr/>
+              <p:nvPr/>
+            </p:nvSpPr>
+            <p:spPr>
+              <a:xfrm>
+                <a:off x="7844628" y="3639408"/>
+                <a:ext cx="1986059" cy="914400"/>
+              </a:xfrm>
+              <a:prstGeom prst="rect">
+                <a:avLst/>
+              </a:prstGeom>
+              <a:noFill/>
+              <a:ln>
+                <a:solidFill>
+                  <a:schemeClr val="tx1"/>
+                </a:solidFill>
+              </a:ln>
+            </p:spPr>
+            <p:style>
+              <a:lnRef idx="2">
+                <a:schemeClr val="accent1">
+                  <a:shade val="50000"/>
+                </a:schemeClr>
+              </a:lnRef>
+              <a:fillRef idx="1">
+                <a:schemeClr val="accent1"/>
+              </a:fillRef>
+              <a:effectRef idx="0">
+                <a:schemeClr val="accent1"/>
+              </a:effectRef>
+              <a:fontRef idx="minor">
+                <a:schemeClr val="lt1"/>
+              </a:fontRef>
+            </p:style>
+            <p:txBody>
+              <a:bodyPr rtlCol="0" anchor="ctr"/>
+              <a:lstStyle/>
+              <a:p>
+                <a:pPr algn="ctr"/>
+                <a:r>
+                  <a:rPr lang="en-US" sz="1200" b="1" dirty="0">
+                    <a:solidFill>
+                      <a:schemeClr val="tx1"/>
+                    </a:solidFill>
+                  </a:rPr>
+                  <a:t>If Child Assign Gender</a:t>
+                </a:r>
+              </a:p>
+            </p:txBody>
+          </p:sp>
+          <p:sp>
+            <p:nvSpPr>
+              <p:cNvPr id="51" name="Rectangle 50">
+                <a:extLst>
+                  <a:ext uri="{FF2B5EF4-FFF2-40B4-BE49-F238E27FC236}">
+                    <a16:creationId xmlns:a16="http://schemas.microsoft.com/office/drawing/2014/main" id="{C2AACDD5-04B8-4A48-8F90-EF29894A072E}"/>
+                  </a:ext>
+                </a:extLst>
+              </p:cNvPr>
+              <p:cNvSpPr/>
+              <p:nvPr/>
+            </p:nvSpPr>
+            <p:spPr>
+              <a:xfrm>
+                <a:off x="7207055" y="275798"/>
+                <a:ext cx="3185057" cy="6339431"/>
+              </a:xfrm>
+              <a:prstGeom prst="rect">
+                <a:avLst/>
+              </a:prstGeom>
+              <a:noFill/>
+              <a:ln>
+                <a:solidFill>
+                  <a:schemeClr val="tx1"/>
+                </a:solidFill>
+              </a:ln>
+            </p:spPr>
+            <p:style>
+              <a:lnRef idx="2">
+                <a:schemeClr val="accent1">
+                  <a:shade val="50000"/>
+                </a:schemeClr>
+              </a:lnRef>
+              <a:fillRef idx="1">
+                <a:schemeClr val="accent1"/>
+              </a:fillRef>
+              <a:effectRef idx="0">
+                <a:schemeClr val="accent1"/>
+              </a:effectRef>
+              <a:fontRef idx="minor">
+                <a:schemeClr val="lt1"/>
+              </a:fontRef>
+            </p:style>
+            <p:txBody>
+              <a:bodyPr rtlCol="0" anchor="t" anchorCtr="0"/>
+              <a:lstStyle/>
+              <a:p>
+                <a:pPr algn="ctr"/>
+                <a:r>
+                  <a:rPr lang="en-US" sz="1200" b="1" dirty="0">
+                    <a:solidFill>
+                      <a:schemeClr val="tx1"/>
+                    </a:solidFill>
+                  </a:rPr>
+                  <a:t>For Each Member in Agent Family</a:t>
+                </a:r>
+              </a:p>
+            </p:txBody>
+          </p:sp>
+          <p:cxnSp>
+            <p:nvCxnSpPr>
+              <p:cNvPr id="52" name="Straight Arrow Connector 51">
+                <a:extLst>
+                  <a:ext uri="{FF2B5EF4-FFF2-40B4-BE49-F238E27FC236}">
+                    <a16:creationId xmlns:a16="http://schemas.microsoft.com/office/drawing/2014/main" id="{47C6EB63-FC64-49F9-840D-2C0B363329B6}"/>
+                  </a:ext>
+                </a:extLst>
+              </p:cNvPr>
+              <p:cNvCxnSpPr>
+                <a:cxnSpLocks/>
+                <a:endCxn id="50" idx="0"/>
+              </p:cNvCxnSpPr>
+              <p:nvPr/>
+            </p:nvCxnSpPr>
+            <p:spPr>
+              <a:xfrm>
+                <a:off x="8837657" y="2987436"/>
+                <a:ext cx="1" cy="651972"/>
+              </a:xfrm>
+              <a:prstGeom prst="straightConnector1">
+                <a:avLst/>
+              </a:prstGeom>
+              <a:ln w="22225">
+                <a:solidFill>
+                  <a:schemeClr val="tx1"/>
+                </a:solidFill>
+                <a:tailEnd type="triangle"/>
+              </a:ln>
+            </p:spPr>
+            <p:style>
+              <a:lnRef idx="1">
+                <a:schemeClr val="accent1"/>
+              </a:lnRef>
+              <a:fillRef idx="0">
+                <a:schemeClr val="accent1"/>
+              </a:fillRef>
+              <a:effectRef idx="0">
+                <a:schemeClr val="accent1"/>
+              </a:effectRef>
+              <a:fontRef idx="minor">
+                <a:schemeClr val="tx1"/>
+              </a:fontRef>
+            </p:style>
+          </p:cxnSp>
+        </p:grpSp>
+        <p:grpSp>
+          <p:nvGrpSpPr>
+            <p:cNvPr id="53" name="Group 52">
+              <a:extLst>
+                <a:ext uri="{FF2B5EF4-FFF2-40B4-BE49-F238E27FC236}">
+                  <a16:creationId xmlns:a16="http://schemas.microsoft.com/office/drawing/2014/main" id="{049B95E7-E123-4547-80EF-F8A1AB403A72}"/>
+                </a:ext>
+              </a:extLst>
+            </p:cNvPr>
+            <p:cNvGrpSpPr/>
+            <p:nvPr/>
+          </p:nvGrpSpPr>
+          <p:grpSpPr>
+            <a:xfrm>
+              <a:off x="8271579" y="1712254"/>
+              <a:ext cx="1749795" cy="3462926"/>
+              <a:chOff x="4646559" y="0"/>
+              <a:chExt cx="3296001" cy="6143290"/>
+            </a:xfrm>
+          </p:grpSpPr>
+          <p:sp>
+            <p:nvSpPr>
+              <p:cNvPr id="54" name="Rectangle 53">
+                <a:extLst>
+                  <a:ext uri="{FF2B5EF4-FFF2-40B4-BE49-F238E27FC236}">
+                    <a16:creationId xmlns:a16="http://schemas.microsoft.com/office/drawing/2014/main" id="{FDD807FF-70AA-4406-893B-4C84D2315470}"/>
+                  </a:ext>
+                </a:extLst>
+              </p:cNvPr>
+              <p:cNvSpPr/>
+              <p:nvPr/>
+            </p:nvSpPr>
+            <p:spPr>
+              <a:xfrm>
+                <a:off x="5266941" y="1307426"/>
+                <a:ext cx="2055239" cy="1044569"/>
+              </a:xfrm>
+              <a:prstGeom prst="rect">
+                <a:avLst/>
+              </a:prstGeom>
+              <a:noFill/>
+              <a:ln>
+                <a:solidFill>
+                  <a:schemeClr val="tx1"/>
+                </a:solidFill>
+              </a:ln>
+            </p:spPr>
+            <p:style>
+              <a:lnRef idx="2">
+                <a:schemeClr val="accent1">
+                  <a:shade val="50000"/>
+                </a:schemeClr>
+              </a:lnRef>
+              <a:fillRef idx="1">
+                <a:schemeClr val="accent1"/>
+              </a:fillRef>
+              <a:effectRef idx="0">
+                <a:schemeClr val="accent1"/>
+              </a:effectRef>
+              <a:fontRef idx="minor">
+                <a:schemeClr val="lt1"/>
+              </a:fontRef>
+            </p:style>
+            <p:txBody>
+              <a:bodyPr rtlCol="0" anchor="ctr"/>
+              <a:lstStyle/>
+              <a:p>
+                <a:pPr algn="ctr"/>
+                <a:r>
+                  <a:rPr lang="en-US" sz="1200" b="1" dirty="0">
+                    <a:solidFill>
+                      <a:schemeClr val="tx1"/>
+                    </a:solidFill>
+                  </a:rPr>
+                  <a:t>Assign Employment</a:t>
+                </a:r>
+              </a:p>
+            </p:txBody>
+          </p:sp>
+          <p:sp>
+            <p:nvSpPr>
+              <p:cNvPr id="55" name="Rectangle 54">
+                <a:extLst>
+                  <a:ext uri="{FF2B5EF4-FFF2-40B4-BE49-F238E27FC236}">
+                    <a16:creationId xmlns:a16="http://schemas.microsoft.com/office/drawing/2014/main" id="{787A04D5-C8E8-440E-8171-428A472BD501}"/>
+                  </a:ext>
+                </a:extLst>
+              </p:cNvPr>
+              <p:cNvSpPr/>
+              <p:nvPr/>
+            </p:nvSpPr>
+            <p:spPr>
+              <a:xfrm>
+                <a:off x="5266943" y="2784266"/>
+                <a:ext cx="2055239" cy="1044569"/>
+              </a:xfrm>
+              <a:prstGeom prst="rect">
+                <a:avLst/>
+              </a:prstGeom>
+              <a:noFill/>
+              <a:ln>
+                <a:solidFill>
+                  <a:schemeClr val="tx1"/>
+                </a:solidFill>
+              </a:ln>
+            </p:spPr>
+            <p:style>
+              <a:lnRef idx="2">
+                <a:schemeClr val="accent1">
+                  <a:shade val="50000"/>
+                </a:schemeClr>
+              </a:lnRef>
+              <a:fillRef idx="1">
+                <a:schemeClr val="accent1"/>
+              </a:fillRef>
+              <a:effectRef idx="0">
+                <a:schemeClr val="accent1"/>
+              </a:effectRef>
+              <a:fontRef idx="minor">
+                <a:schemeClr val="lt1"/>
+              </a:fontRef>
+            </p:style>
+            <p:txBody>
+              <a:bodyPr rtlCol="0" anchor="ctr"/>
+              <a:lstStyle/>
+              <a:p>
+                <a:pPr algn="ctr"/>
+                <a:r>
+                  <a:rPr lang="en-US" sz="1200" b="1" dirty="0">
+                    <a:solidFill>
+                      <a:schemeClr val="tx1"/>
+                    </a:solidFill>
+                  </a:rPr>
+                  <a:t>Assign </a:t>
+                </a:r>
+              </a:p>
+              <a:p>
+                <a:pPr algn="ctr"/>
+                <a:r>
+                  <a:rPr lang="en-US" sz="1200" b="1" dirty="0">
+                    <a:solidFill>
+                      <a:schemeClr val="tx1"/>
+                    </a:solidFill>
+                  </a:rPr>
+                  <a:t>Physiology</a:t>
+                </a:r>
+              </a:p>
+            </p:txBody>
+          </p:sp>
+          <p:sp>
+            <p:nvSpPr>
+              <p:cNvPr id="56" name="Rectangle 55">
+                <a:extLst>
+                  <a:ext uri="{FF2B5EF4-FFF2-40B4-BE49-F238E27FC236}">
+                    <a16:creationId xmlns:a16="http://schemas.microsoft.com/office/drawing/2014/main" id="{38034B6D-F844-488D-8BEF-B326ABC42579}"/>
+                  </a:ext>
+                </a:extLst>
+              </p:cNvPr>
+              <p:cNvSpPr/>
+              <p:nvPr/>
+            </p:nvSpPr>
+            <p:spPr>
+              <a:xfrm>
+                <a:off x="5266942" y="4261106"/>
+                <a:ext cx="2055239" cy="1044569"/>
+              </a:xfrm>
+              <a:prstGeom prst="rect">
+                <a:avLst/>
+              </a:prstGeom>
+              <a:noFill/>
+              <a:ln>
+                <a:solidFill>
+                  <a:schemeClr val="tx1"/>
+                </a:solidFill>
+              </a:ln>
+            </p:spPr>
+            <p:style>
+              <a:lnRef idx="2">
+                <a:schemeClr val="accent1">
+                  <a:shade val="50000"/>
+                </a:schemeClr>
+              </a:lnRef>
+              <a:fillRef idx="1">
+                <a:schemeClr val="accent1"/>
+              </a:fillRef>
+              <a:effectRef idx="0">
+                <a:schemeClr val="accent1"/>
+              </a:effectRef>
+              <a:fontRef idx="minor">
+                <a:schemeClr val="lt1"/>
+              </a:fontRef>
+            </p:style>
+            <p:txBody>
+              <a:bodyPr rtlCol="0" anchor="ctr"/>
+              <a:lstStyle/>
+              <a:p>
+                <a:pPr algn="ctr"/>
+                <a:r>
+                  <a:rPr lang="en-US" sz="1200" b="1" dirty="0">
+                    <a:solidFill>
+                      <a:schemeClr val="tx1"/>
+                    </a:solidFill>
+                  </a:rPr>
+                  <a:t>Calculate Distance to Shops</a:t>
+                </a:r>
+              </a:p>
+            </p:txBody>
+          </p:sp>
+          <p:sp>
+            <p:nvSpPr>
+              <p:cNvPr id="57" name="Rectangle 56">
+                <a:extLst>
+                  <a:ext uri="{FF2B5EF4-FFF2-40B4-BE49-F238E27FC236}">
+                    <a16:creationId xmlns:a16="http://schemas.microsoft.com/office/drawing/2014/main" id="{6D7FF5C7-30CD-4C53-BADB-F38309CA221B}"/>
+                  </a:ext>
+                </a:extLst>
+              </p:cNvPr>
+              <p:cNvSpPr/>
+              <p:nvPr/>
+            </p:nvSpPr>
+            <p:spPr>
+              <a:xfrm>
+                <a:off x="4646559" y="0"/>
+                <a:ext cx="3296001" cy="6143290"/>
+              </a:xfrm>
+              <a:prstGeom prst="rect">
+                <a:avLst/>
+              </a:prstGeom>
+              <a:noFill/>
+              <a:ln>
+                <a:solidFill>
+                  <a:schemeClr val="tx1"/>
+                </a:solidFill>
+              </a:ln>
+            </p:spPr>
+            <p:style>
+              <a:lnRef idx="2">
+                <a:schemeClr val="accent1">
+                  <a:shade val="50000"/>
+                </a:schemeClr>
+              </a:lnRef>
+              <a:fillRef idx="1">
+                <a:schemeClr val="accent1"/>
+              </a:fillRef>
+              <a:effectRef idx="0">
+                <a:schemeClr val="accent1"/>
+              </a:effectRef>
+              <a:fontRef idx="minor">
+                <a:schemeClr val="lt1"/>
+              </a:fontRef>
+            </p:style>
+            <p:txBody>
+              <a:bodyPr rtlCol="0" anchor="t" anchorCtr="0"/>
+              <a:lstStyle/>
+              <a:p>
+                <a:pPr algn="ctr"/>
+                <a:r>
+                  <a:rPr lang="en-US" sz="1200" b="1" dirty="0">
+                    <a:solidFill>
+                      <a:schemeClr val="tx1"/>
+                    </a:solidFill>
+                  </a:rPr>
+                  <a:t>For Each Member  in Agent Family</a:t>
+                </a:r>
+              </a:p>
+            </p:txBody>
+          </p:sp>
+          <p:cxnSp>
+            <p:nvCxnSpPr>
+              <p:cNvPr id="58" name="Straight Arrow Connector 57">
+                <a:extLst>
+                  <a:ext uri="{FF2B5EF4-FFF2-40B4-BE49-F238E27FC236}">
+                    <a16:creationId xmlns:a16="http://schemas.microsoft.com/office/drawing/2014/main" id="{E5D13736-A316-4BDA-9A9C-BF572E2AFED9}"/>
+                  </a:ext>
+                </a:extLst>
+              </p:cNvPr>
+              <p:cNvCxnSpPr>
+                <a:cxnSpLocks/>
+                <a:stCxn id="54" idx="2"/>
+                <a:endCxn id="55" idx="0"/>
+              </p:cNvCxnSpPr>
+              <p:nvPr/>
+            </p:nvCxnSpPr>
+            <p:spPr>
+              <a:xfrm>
+                <a:off x="6294561" y="2351995"/>
+                <a:ext cx="2" cy="432271"/>
+              </a:xfrm>
+              <a:prstGeom prst="straightConnector1">
+                <a:avLst/>
+              </a:prstGeom>
+              <a:ln w="22225">
+                <a:solidFill>
+                  <a:schemeClr val="tx1"/>
+                </a:solidFill>
+                <a:tailEnd type="triangle"/>
+              </a:ln>
+            </p:spPr>
+            <p:style>
+              <a:lnRef idx="1">
+                <a:schemeClr val="accent1"/>
+              </a:lnRef>
+              <a:fillRef idx="0">
+                <a:schemeClr val="accent1"/>
+              </a:fillRef>
+              <a:effectRef idx="0">
+                <a:schemeClr val="accent1"/>
+              </a:effectRef>
+              <a:fontRef idx="minor">
+                <a:schemeClr val="tx1"/>
+              </a:fontRef>
+            </p:style>
+          </p:cxnSp>
+          <p:cxnSp>
+            <p:nvCxnSpPr>
+              <p:cNvPr id="59" name="Straight Arrow Connector 58">
+                <a:extLst>
+                  <a:ext uri="{FF2B5EF4-FFF2-40B4-BE49-F238E27FC236}">
+                    <a16:creationId xmlns:a16="http://schemas.microsoft.com/office/drawing/2014/main" id="{36054455-B173-4DC8-A509-41869AB8E809}"/>
+                  </a:ext>
+                </a:extLst>
+              </p:cNvPr>
+              <p:cNvCxnSpPr>
+                <a:cxnSpLocks/>
+                <a:stCxn id="55" idx="2"/>
+                <a:endCxn id="56" idx="0"/>
+              </p:cNvCxnSpPr>
+              <p:nvPr/>
+            </p:nvCxnSpPr>
+            <p:spPr>
+              <a:xfrm flipH="1">
+                <a:off x="6294562" y="3828835"/>
+                <a:ext cx="1" cy="432271"/>
+              </a:xfrm>
+              <a:prstGeom prst="straightConnector1">
+                <a:avLst/>
+              </a:prstGeom>
+              <a:ln w="22225">
+                <a:solidFill>
+                  <a:schemeClr val="tx1"/>
+                </a:solidFill>
+                <a:tailEnd type="triangle"/>
+              </a:ln>
+            </p:spPr>
+            <p:style>
+              <a:lnRef idx="1">
+                <a:schemeClr val="accent1"/>
+              </a:lnRef>
+              <a:fillRef idx="0">
+                <a:schemeClr val="accent1"/>
+              </a:fillRef>
+              <a:effectRef idx="0">
+                <a:schemeClr val="accent1"/>
+              </a:effectRef>
+              <a:fontRef idx="minor">
+                <a:schemeClr val="tx1"/>
+              </a:fontRef>
+            </p:style>
+          </p:cxnSp>
+        </p:grpSp>
+      </p:grpSp>
     </p:spTree>
     <p:extLst>
       <p:ext uri="{BB962C8B-B14F-4D97-AF65-F5344CB8AC3E}">
